--- a/Apresentação 03.pptx
+++ b/Apresentação 03.pptx
@@ -21,23 +21,26 @@
     <p:sldId id="266" r:id="rId16"/>
     <p:sldId id="267" r:id="rId17"/>
     <p:sldId id="268" r:id="rId18"/>
+    <p:sldId id="269" r:id="rId19"/>
+    <p:sldId id="270" r:id="rId20"/>
+    <p:sldId id="271" r:id="rId21"/>
   </p:sldIdLst>
   <p:sldSz cy="5143500" cx="9144000"/>
   <p:notesSz cx="6858000" cy="9144000"/>
   <p:embeddedFontLst>
     <p:embeddedFont>
       <p:font typeface="Montserrat"/>
-      <p:regular r:id="rId19"/>
-      <p:bold r:id="rId20"/>
-      <p:italic r:id="rId21"/>
-      <p:boldItalic r:id="rId22"/>
+      <p:regular r:id="rId22"/>
+      <p:bold r:id="rId23"/>
+      <p:italic r:id="rId24"/>
+      <p:boldItalic r:id="rId25"/>
     </p:embeddedFont>
     <p:embeddedFont>
       <p:font typeface="Lato"/>
-      <p:regular r:id="rId23"/>
-      <p:bold r:id="rId24"/>
-      <p:italic r:id="rId25"/>
-      <p:boldItalic r:id="rId26"/>
+      <p:regular r:id="rId26"/>
+      <p:bold r:id="rId27"/>
+      <p:italic r:id="rId28"/>
+      <p:boldItalic r:id="rId29"/>
     </p:embeddedFont>
   </p:embeddedFontLst>
   <p:defaultTextStyle>
@@ -1157,6 +1160,300 @@
       <p:sp>
         <p:nvSpPr>
           <p:cNvPr id="205" name="Shape 205"/>
+          <p:cNvSpPr txBox="1"/>
+          <p:nvPr>
+            <p:ph idx="1" type="body"/>
+          </p:nvPr>
+        </p:nvSpPr>
+        <p:spPr>
+          <a:xfrm>
+            <a:off x="685800" y="4343400"/>
+            <a:ext cx="5486400" cy="4114800"/>
+          </a:xfrm>
+          <a:prstGeom prst="rect">
+            <a:avLst/>
+          </a:prstGeom>
+        </p:spPr>
+        <p:txBody>
+          <a:bodyPr anchorCtr="0" anchor="t" bIns="91425" lIns="91425" spcFirstLastPara="1" rIns="91425" wrap="square" tIns="91425">
+            <a:noAutofit/>
+          </a:bodyPr>
+          <a:lstStyle/>
+          <a:p>
+            <a:pPr indent="0" lvl="0" marL="0">
+              <a:spcBef>
+                <a:spcPts val="0"/>
+              </a:spcBef>
+              <a:spcAft>
+                <a:spcPts val="0"/>
+              </a:spcAft>
+              <a:buNone/>
+            </a:pPr>
+            <a:r>
+              <a:t/>
+            </a:r>
+            <a:endParaRPr/>
+          </a:p>
+        </p:txBody>
+      </p:sp>
+    </p:spTree>
+  </p:cSld>
+  <p:clrMapOvr>
+    <a:masterClrMapping/>
+  </p:clrMapOvr>
+</p:notes>
+</file>
+
+<file path=ppt/notesSlides/notesSlide14.xml><?xml version="1.0" encoding="utf-8"?>
+<p:notes xmlns:a="http://schemas.openxmlformats.org/drawingml/2006/main" xmlns:r="http://schemas.openxmlformats.org/officeDocument/2006/relationships" xmlns:mc="http://schemas.openxmlformats.org/markup-compatibility/2006" xmlns:mv="urn:schemas-microsoft-com:mac:vml" xmlns:p="http://schemas.openxmlformats.org/presentationml/2006/main" xmlns:c="http://schemas.openxmlformats.org/drawingml/2006/chart" xmlns:dgm="http://schemas.openxmlformats.org/drawingml/2006/diagram" xmlns:o="urn:schemas-microsoft-com:office:office" xmlns:v="urn:schemas-microsoft-com:vml" xmlns:pvml="urn:schemas-microsoft-com:office:powerpoint" xmlns:com="http://schemas.openxmlformats.org/drawingml/2006/compatibility" xmlns:p14="http://schemas.microsoft.com/office/powerpoint/2010/main" xmlns:p15="http://schemas.microsoft.com/office/powerpoint/2012/main" showMasterPhAnim="0" showMasterSp="0">
+  <p:cSld>
+    <p:spTree>
+      <p:nvGrpSpPr>
+        <p:cNvPr id="210" name="Shape 210"/>
+        <p:cNvGrpSpPr/>
+        <p:nvPr/>
+      </p:nvGrpSpPr>
+      <p:grpSpPr>
+        <a:xfrm>
+          <a:off x="0" y="0"/>
+          <a:ext cx="0" cy="0"/>
+          <a:chOff x="0" y="0"/>
+          <a:chExt cx="0" cy="0"/>
+        </a:xfrm>
+      </p:grpSpPr>
+      <p:sp>
+        <p:nvSpPr>
+          <p:cNvPr id="211" name="Shape 211"/>
+          <p:cNvSpPr/>
+          <p:nvPr>
+            <p:ph idx="2" type="sldImg"/>
+          </p:nvPr>
+        </p:nvSpPr>
+        <p:spPr>
+          <a:xfrm>
+            <a:off x="381300" y="685800"/>
+            <a:ext cx="6096000" cy="3429000"/>
+          </a:xfrm>
+          <a:custGeom>
+            <a:pathLst>
+              <a:path extrusionOk="0" h="120000" w="120000">
+                <a:moveTo>
+                  <a:pt x="0" y="0"/>
+                </a:moveTo>
+                <a:lnTo>
+                  <a:pt x="120000" y="0"/>
+                </a:lnTo>
+                <a:lnTo>
+                  <a:pt x="120000" y="120000"/>
+                </a:lnTo>
+                <a:lnTo>
+                  <a:pt x="0" y="120000"/>
+                </a:lnTo>
+                <a:close/>
+              </a:path>
+            </a:pathLst>
+          </a:custGeom>
+        </p:spPr>
+      </p:sp>
+      <p:sp>
+        <p:nvSpPr>
+          <p:cNvPr id="212" name="Shape 212"/>
+          <p:cNvSpPr txBox="1"/>
+          <p:nvPr>
+            <p:ph idx="1" type="body"/>
+          </p:nvPr>
+        </p:nvSpPr>
+        <p:spPr>
+          <a:xfrm>
+            <a:off x="685800" y="4343400"/>
+            <a:ext cx="5486400" cy="4114800"/>
+          </a:xfrm>
+          <a:prstGeom prst="rect">
+            <a:avLst/>
+          </a:prstGeom>
+        </p:spPr>
+        <p:txBody>
+          <a:bodyPr anchorCtr="0" anchor="t" bIns="91425" lIns="91425" spcFirstLastPara="1" rIns="91425" wrap="square" tIns="91425">
+            <a:noAutofit/>
+          </a:bodyPr>
+          <a:lstStyle/>
+          <a:p>
+            <a:pPr indent="0" lvl="0" marL="0">
+              <a:spcBef>
+                <a:spcPts val="0"/>
+              </a:spcBef>
+              <a:spcAft>
+                <a:spcPts val="0"/>
+              </a:spcAft>
+              <a:buNone/>
+            </a:pPr>
+            <a:r>
+              <a:t/>
+            </a:r>
+            <a:endParaRPr/>
+          </a:p>
+        </p:txBody>
+      </p:sp>
+    </p:spTree>
+  </p:cSld>
+  <p:clrMapOvr>
+    <a:masterClrMapping/>
+  </p:clrMapOvr>
+</p:notes>
+</file>
+
+<file path=ppt/notesSlides/notesSlide15.xml><?xml version="1.0" encoding="utf-8"?>
+<p:notes xmlns:a="http://schemas.openxmlformats.org/drawingml/2006/main" xmlns:r="http://schemas.openxmlformats.org/officeDocument/2006/relationships" xmlns:mc="http://schemas.openxmlformats.org/markup-compatibility/2006" xmlns:mv="urn:schemas-microsoft-com:mac:vml" xmlns:p="http://schemas.openxmlformats.org/presentationml/2006/main" xmlns:c="http://schemas.openxmlformats.org/drawingml/2006/chart" xmlns:dgm="http://schemas.openxmlformats.org/drawingml/2006/diagram" xmlns:o="urn:schemas-microsoft-com:office:office" xmlns:v="urn:schemas-microsoft-com:vml" xmlns:pvml="urn:schemas-microsoft-com:office:powerpoint" xmlns:com="http://schemas.openxmlformats.org/drawingml/2006/compatibility" xmlns:p14="http://schemas.microsoft.com/office/powerpoint/2010/main" xmlns:p15="http://schemas.microsoft.com/office/powerpoint/2012/main" showMasterPhAnim="0" showMasterSp="0">
+  <p:cSld>
+    <p:spTree>
+      <p:nvGrpSpPr>
+        <p:cNvPr id="216" name="Shape 216"/>
+        <p:cNvGrpSpPr/>
+        <p:nvPr/>
+      </p:nvGrpSpPr>
+      <p:grpSpPr>
+        <a:xfrm>
+          <a:off x="0" y="0"/>
+          <a:ext cx="0" cy="0"/>
+          <a:chOff x="0" y="0"/>
+          <a:chExt cx="0" cy="0"/>
+        </a:xfrm>
+      </p:grpSpPr>
+      <p:sp>
+        <p:nvSpPr>
+          <p:cNvPr id="217" name="Shape 217"/>
+          <p:cNvSpPr/>
+          <p:nvPr>
+            <p:ph idx="2" type="sldImg"/>
+          </p:nvPr>
+        </p:nvSpPr>
+        <p:spPr>
+          <a:xfrm>
+            <a:off x="381300" y="685800"/>
+            <a:ext cx="6096000" cy="3429000"/>
+          </a:xfrm>
+          <a:custGeom>
+            <a:pathLst>
+              <a:path extrusionOk="0" h="120000" w="120000">
+                <a:moveTo>
+                  <a:pt x="0" y="0"/>
+                </a:moveTo>
+                <a:lnTo>
+                  <a:pt x="120000" y="0"/>
+                </a:lnTo>
+                <a:lnTo>
+                  <a:pt x="120000" y="120000"/>
+                </a:lnTo>
+                <a:lnTo>
+                  <a:pt x="0" y="120000"/>
+                </a:lnTo>
+                <a:close/>
+              </a:path>
+            </a:pathLst>
+          </a:custGeom>
+        </p:spPr>
+      </p:sp>
+      <p:sp>
+        <p:nvSpPr>
+          <p:cNvPr id="218" name="Shape 218"/>
+          <p:cNvSpPr txBox="1"/>
+          <p:nvPr>
+            <p:ph idx="1" type="body"/>
+          </p:nvPr>
+        </p:nvSpPr>
+        <p:spPr>
+          <a:xfrm>
+            <a:off x="685800" y="4343400"/>
+            <a:ext cx="5486400" cy="4114800"/>
+          </a:xfrm>
+          <a:prstGeom prst="rect">
+            <a:avLst/>
+          </a:prstGeom>
+        </p:spPr>
+        <p:txBody>
+          <a:bodyPr anchorCtr="0" anchor="t" bIns="91425" lIns="91425" spcFirstLastPara="1" rIns="91425" wrap="square" tIns="91425">
+            <a:noAutofit/>
+          </a:bodyPr>
+          <a:lstStyle/>
+          <a:p>
+            <a:pPr indent="0" lvl="0" marL="0">
+              <a:spcBef>
+                <a:spcPts val="0"/>
+              </a:spcBef>
+              <a:spcAft>
+                <a:spcPts val="0"/>
+              </a:spcAft>
+              <a:buNone/>
+            </a:pPr>
+            <a:r>
+              <a:t/>
+            </a:r>
+            <a:endParaRPr/>
+          </a:p>
+        </p:txBody>
+      </p:sp>
+    </p:spTree>
+  </p:cSld>
+  <p:clrMapOvr>
+    <a:masterClrMapping/>
+  </p:clrMapOvr>
+</p:notes>
+</file>
+
+<file path=ppt/notesSlides/notesSlide16.xml><?xml version="1.0" encoding="utf-8"?>
+<p:notes xmlns:a="http://schemas.openxmlformats.org/drawingml/2006/main" xmlns:r="http://schemas.openxmlformats.org/officeDocument/2006/relationships" xmlns:mc="http://schemas.openxmlformats.org/markup-compatibility/2006" xmlns:mv="urn:schemas-microsoft-com:mac:vml" xmlns:p="http://schemas.openxmlformats.org/presentationml/2006/main" xmlns:c="http://schemas.openxmlformats.org/drawingml/2006/chart" xmlns:dgm="http://schemas.openxmlformats.org/drawingml/2006/diagram" xmlns:o="urn:schemas-microsoft-com:office:office" xmlns:v="urn:schemas-microsoft-com:vml" xmlns:pvml="urn:schemas-microsoft-com:office:powerpoint" xmlns:com="http://schemas.openxmlformats.org/drawingml/2006/compatibility" xmlns:p14="http://schemas.microsoft.com/office/powerpoint/2010/main" xmlns:p15="http://schemas.microsoft.com/office/powerpoint/2012/main" showMasterPhAnim="0" showMasterSp="0">
+  <p:cSld>
+    <p:spTree>
+      <p:nvGrpSpPr>
+        <p:cNvPr id="222" name="Shape 222"/>
+        <p:cNvGrpSpPr/>
+        <p:nvPr/>
+      </p:nvGrpSpPr>
+      <p:grpSpPr>
+        <a:xfrm>
+          <a:off x="0" y="0"/>
+          <a:ext cx="0" cy="0"/>
+          <a:chOff x="0" y="0"/>
+          <a:chExt cx="0" cy="0"/>
+        </a:xfrm>
+      </p:grpSpPr>
+      <p:sp>
+        <p:nvSpPr>
+          <p:cNvPr id="223" name="Shape 223"/>
+          <p:cNvSpPr/>
+          <p:nvPr>
+            <p:ph idx="2" type="sldImg"/>
+          </p:nvPr>
+        </p:nvSpPr>
+        <p:spPr>
+          <a:xfrm>
+            <a:off x="381300" y="685800"/>
+            <a:ext cx="6096000" cy="3429000"/>
+          </a:xfrm>
+          <a:custGeom>
+            <a:pathLst>
+              <a:path extrusionOk="0" h="120000" w="120000">
+                <a:moveTo>
+                  <a:pt x="0" y="0"/>
+                </a:moveTo>
+                <a:lnTo>
+                  <a:pt x="120000" y="0"/>
+                </a:lnTo>
+                <a:lnTo>
+                  <a:pt x="120000" y="120000"/>
+                </a:lnTo>
+                <a:lnTo>
+                  <a:pt x="0" y="120000"/>
+                </a:lnTo>
+                <a:close/>
+              </a:path>
+            </a:pathLst>
+          </a:custGeom>
+        </p:spPr>
+      </p:sp>
+      <p:sp>
+        <p:nvSpPr>
+          <p:cNvPr id="224" name="Shape 224"/>
           <p:cNvSpPr txBox="1"/>
           <p:nvPr>
             <p:ph idx="1" type="body"/>
@@ -10700,15 +10997,15 @@
             <a:endParaRPr/>
           </a:p>
           <a:p>
-            <a:pPr indent="-311150" lvl="0" marL="457200" rtl="0">
+            <a:pPr indent="-298450" lvl="1" marL="914400" rtl="0">
               <a:spcBef>
                 <a:spcPts val="1600"/>
               </a:spcBef>
               <a:spcAft>
                 <a:spcPts val="0"/>
               </a:spcAft>
-              <a:buSzPts val="1300"/>
-              <a:buChar char="●"/>
+              <a:buSzPts val="1100"/>
+              <a:buChar char="○"/>
             </a:pPr>
             <a:r>
               <a:rPr lang="pt-BR"/>
@@ -10717,15 +11014,15 @@
             <a:endParaRPr/>
           </a:p>
           <a:p>
-            <a:pPr indent="-311150" lvl="0" marL="457200" rtl="0">
-              <a:spcBef>
-                <a:spcPts val="0"/>
-              </a:spcBef>
-              <a:spcAft>
-                <a:spcPts val="0"/>
-              </a:spcAft>
-              <a:buSzPts val="1300"/>
-              <a:buChar char="●"/>
+            <a:pPr indent="-298450" lvl="1" marL="914400" rtl="0">
+              <a:spcBef>
+                <a:spcPts val="0"/>
+              </a:spcBef>
+              <a:spcAft>
+                <a:spcPts val="0"/>
+              </a:spcAft>
+              <a:buSzPts val="1100"/>
+              <a:buChar char="○"/>
             </a:pPr>
             <a:r>
               <a:rPr lang="pt-BR"/>
@@ -10734,17 +11031,19 @@
             <a:endParaRPr/>
           </a:p>
           <a:p>
-            <a:pPr indent="0" lvl="0" marL="0" rtl="0">
+            <a:pPr indent="-311150" lvl="0" marL="457200" rtl="0">
               <a:spcBef>
                 <a:spcPts val="1600"/>
               </a:spcBef>
               <a:spcAft>
                 <a:spcPts val="1600"/>
               </a:spcAft>
-              <a:buNone/>
+              <a:buSzPts val="1300"/>
+              <a:buChar char="●"/>
             </a:pPr>
             <a:r>
-              <a:t/>
+              <a:rPr lang="pt-BR"/>
+              <a:t>Contará com a participação dos quatro membros do grupo,  utilização do RPG Maker para a realização de manutenção do sistema.</a:t>
             </a:r>
             <a:endParaRPr/>
           </a:p>
@@ -10809,22 +11108,7 @@
             </a:pPr>
             <a:r>
               <a:rPr lang="pt-BR"/>
-              <a:t>Métrica de Software - Introdução</a:t>
-            </a:r>
-            <a:endParaRPr/>
-          </a:p>
-          <a:p>
-            <a:pPr indent="0" lvl="0" marL="0">
-              <a:spcBef>
-                <a:spcPts val="0"/>
-              </a:spcBef>
-              <a:spcAft>
-                <a:spcPts val="0"/>
-              </a:spcAft>
-              <a:buNone/>
-            </a:pPr>
-            <a:r>
-              <a:t/>
+              <a:t>Cronograma</a:t>
             </a:r>
             <a:endParaRPr/>
           </a:p>
@@ -10853,6 +11137,153 @@
           </a:bodyPr>
           <a:lstStyle/>
           <a:p>
+            <a:pPr indent="0" lvl="0" marL="0">
+              <a:spcBef>
+                <a:spcPts val="0"/>
+              </a:spcBef>
+              <a:spcAft>
+                <a:spcPts val="1600"/>
+              </a:spcAft>
+              <a:buNone/>
+            </a:pPr>
+            <a:r>
+              <a:t/>
+            </a:r>
+            <a:endParaRPr/>
+          </a:p>
+        </p:txBody>
+      </p:sp>
+      <p:pic>
+        <p:nvPicPr>
+          <p:cNvPr id="209" name="Shape 209"/>
+          <p:cNvPicPr preferRelativeResize="0"/>
+          <p:nvPr/>
+        </p:nvPicPr>
+        <p:blipFill>
+          <a:blip r:embed="rId3">
+            <a:alphaModFix/>
+          </a:blip>
+          <a:stretch>
+            <a:fillRect/>
+          </a:stretch>
+        </p:blipFill>
+        <p:spPr>
+          <a:xfrm>
+            <a:off x="672650" y="1100925"/>
+            <a:ext cx="7663749" cy="3844450"/>
+          </a:xfrm>
+          <a:prstGeom prst="rect">
+            <a:avLst/>
+          </a:prstGeom>
+          <a:noFill/>
+          <a:ln>
+            <a:noFill/>
+          </a:ln>
+        </p:spPr>
+      </p:pic>
+    </p:spTree>
+  </p:cSld>
+  <p:clrMapOvr>
+    <a:masterClrMapping/>
+  </p:clrMapOvr>
+</p:sld>
+</file>
+
+<file path=ppt/slides/slide14.xml><?xml version="1.0" encoding="utf-8"?>
+<p:sld xmlns:a="http://schemas.openxmlformats.org/drawingml/2006/main" xmlns:r="http://schemas.openxmlformats.org/officeDocument/2006/relationships" xmlns:mc="http://schemas.openxmlformats.org/markup-compatibility/2006" xmlns:mv="urn:schemas-microsoft-com:mac:vml" xmlns:p="http://schemas.openxmlformats.org/presentationml/2006/main" xmlns:c="http://schemas.openxmlformats.org/drawingml/2006/chart" xmlns:dgm="http://schemas.openxmlformats.org/drawingml/2006/diagram" xmlns:o="urn:schemas-microsoft-com:office:office" xmlns:v="urn:schemas-microsoft-com:vml" xmlns:pvml="urn:schemas-microsoft-com:office:powerpoint" xmlns:com="http://schemas.openxmlformats.org/drawingml/2006/compatibility" xmlns:p14="http://schemas.microsoft.com/office/powerpoint/2010/main" xmlns:p15="http://schemas.microsoft.com/office/powerpoint/2012/main">
+  <p:cSld>
+    <p:spTree>
+      <p:nvGrpSpPr>
+        <p:cNvPr id="213" name="Shape 213"/>
+        <p:cNvGrpSpPr/>
+        <p:nvPr/>
+      </p:nvGrpSpPr>
+      <p:grpSpPr>
+        <a:xfrm>
+          <a:off x="0" y="0"/>
+          <a:ext cx="0" cy="0"/>
+          <a:chOff x="0" y="0"/>
+          <a:chExt cx="0" cy="0"/>
+        </a:xfrm>
+      </p:grpSpPr>
+      <p:sp>
+        <p:nvSpPr>
+          <p:cNvPr id="214" name="Shape 214"/>
+          <p:cNvSpPr txBox="1"/>
+          <p:nvPr>
+            <p:ph type="title"/>
+          </p:nvPr>
+        </p:nvSpPr>
+        <p:spPr>
+          <a:xfrm>
+            <a:off x="1297500" y="393750"/>
+            <a:ext cx="7038900" cy="914100"/>
+          </a:xfrm>
+          <a:prstGeom prst="rect">
+            <a:avLst/>
+          </a:prstGeom>
+        </p:spPr>
+        <p:txBody>
+          <a:bodyPr anchorCtr="0" anchor="t" bIns="91425" lIns="91425" spcFirstLastPara="1" rIns="91425" wrap="square" tIns="91425">
+            <a:noAutofit/>
+          </a:bodyPr>
+          <a:lstStyle/>
+          <a:p>
+            <a:pPr indent="0" lvl="0" marL="0">
+              <a:spcBef>
+                <a:spcPts val="0"/>
+              </a:spcBef>
+              <a:spcAft>
+                <a:spcPts val="0"/>
+              </a:spcAft>
+              <a:buNone/>
+            </a:pPr>
+            <a:r>
+              <a:rPr lang="pt-BR"/>
+              <a:t>Métrica de Software - Introdução</a:t>
+            </a:r>
+            <a:endParaRPr/>
+          </a:p>
+          <a:p>
+            <a:pPr indent="0" lvl="0" marL="0">
+              <a:spcBef>
+                <a:spcPts val="0"/>
+              </a:spcBef>
+              <a:spcAft>
+                <a:spcPts val="0"/>
+              </a:spcAft>
+              <a:buNone/>
+            </a:pPr>
+            <a:r>
+              <a:t/>
+            </a:r>
+            <a:endParaRPr/>
+          </a:p>
+        </p:txBody>
+      </p:sp>
+      <p:sp>
+        <p:nvSpPr>
+          <p:cNvPr id="215" name="Shape 215"/>
+          <p:cNvSpPr txBox="1"/>
+          <p:nvPr>
+            <p:ph idx="1" type="body"/>
+          </p:nvPr>
+        </p:nvSpPr>
+        <p:spPr>
+          <a:xfrm>
+            <a:off x="1297500" y="1567550"/>
+            <a:ext cx="7038900" cy="2911200"/>
+          </a:xfrm>
+          <a:prstGeom prst="rect">
+            <a:avLst/>
+          </a:prstGeom>
+        </p:spPr>
+        <p:txBody>
+          <a:bodyPr anchorCtr="0" anchor="t" bIns="91425" lIns="91425" spcFirstLastPara="1" rIns="91425" wrap="square" tIns="91425">
+            <a:noAutofit/>
+          </a:bodyPr>
+          <a:lstStyle/>
+          <a:p>
             <a:pPr indent="-311150" lvl="0" marL="457200" rtl="0">
               <a:spcBef>
                 <a:spcPts val="0"/>
@@ -10865,7 +11296,100 @@
             </a:pPr>
             <a:r>
               <a:rPr lang="pt-BR"/>
-              <a:t>Uma medida quantitativa usada para determinar o tamanho de algo.</a:t>
+              <a:t>Métrica é uma medida quantitativa usada para determinar o tamanho de algo.</a:t>
+            </a:r>
+            <a:endParaRPr/>
+          </a:p>
+          <a:p>
+            <a:pPr indent="-311150" lvl="0" marL="457200" rtl="0">
+              <a:spcBef>
+                <a:spcPts val="0"/>
+              </a:spcBef>
+              <a:spcAft>
+                <a:spcPts val="0"/>
+              </a:spcAft>
+              <a:buSzPts val="1300"/>
+              <a:buChar char="●"/>
+            </a:pPr>
+            <a:r>
+              <a:rPr lang="pt-BR"/>
+              <a:t>As métricas se dividem em dois tipos, as diretas e as indiretas.</a:t>
+            </a:r>
+            <a:endParaRPr/>
+          </a:p>
+          <a:p>
+            <a:pPr indent="-311150" lvl="0" marL="457200" rtl="0">
+              <a:spcBef>
+                <a:spcPts val="0"/>
+              </a:spcBef>
+              <a:spcAft>
+                <a:spcPts val="0"/>
+              </a:spcAft>
+              <a:buSzPts val="1300"/>
+              <a:buChar char="●"/>
+            </a:pPr>
+            <a:r>
+              <a:rPr lang="pt-BR"/>
+              <a:t>As métricas diretas não dependem da medição de nenhum outro atributo.</a:t>
+            </a:r>
+            <a:endParaRPr/>
+          </a:p>
+          <a:p>
+            <a:pPr indent="-311150" lvl="0" marL="457200" rtl="0">
+              <a:spcBef>
+                <a:spcPts val="0"/>
+              </a:spcBef>
+              <a:spcAft>
+                <a:spcPts val="0"/>
+              </a:spcAft>
+              <a:buSzPts val="1300"/>
+              <a:buChar char="●"/>
+            </a:pPr>
+            <a:r>
+              <a:rPr lang="pt-BR"/>
+              <a:t>As métricas indiretas usam combinações de outras métricas.</a:t>
+            </a:r>
+            <a:endParaRPr/>
+          </a:p>
+          <a:p>
+            <a:pPr indent="-311150" lvl="0" marL="457200" rtl="0">
+              <a:spcBef>
+                <a:spcPts val="0"/>
+              </a:spcBef>
+              <a:spcAft>
+                <a:spcPts val="0"/>
+              </a:spcAft>
+              <a:buSzPts val="1300"/>
+              <a:buChar char="●"/>
+            </a:pPr>
+            <a:r>
+              <a:rPr lang="pt-BR"/>
+              <a:t>A principal função das métricas de software é no </a:t>
+            </a:r>
+            <a:r>
+              <a:rPr lang="pt-BR"/>
+              <a:t>auxílio do planejamento necessário para a execução do projeto.</a:t>
+            </a:r>
+            <a:endParaRPr/>
+          </a:p>
+          <a:p>
+            <a:pPr indent="-311150" lvl="0" marL="457200" rtl="0">
+              <a:spcBef>
+                <a:spcPts val="0"/>
+              </a:spcBef>
+              <a:spcAft>
+                <a:spcPts val="0"/>
+              </a:spcAft>
+              <a:buSzPts val="1300"/>
+              <a:buChar char="●"/>
+            </a:pPr>
+            <a:r>
+              <a:rPr lang="pt-BR"/>
+              <a:t>Aumentar a exatidão sobre levantamento de custos/prazos, reduzir os defeitos do produto e reduzir os custos e prazos do projeto</a:t>
+            </a:r>
+            <a:r>
+              <a:rPr lang="pt-BR"/>
+              <a:t>  são algumas das vantagens da utilização das métricas.</a:t>
             </a:r>
             <a:endParaRPr/>
           </a:p>
@@ -10879,6 +11403,302 @@
               </a:spcAft>
               <a:buSzPts val="1300"/>
               <a:buChar char="●"/>
+            </a:pPr>
+            <a:r>
+              <a:rPr lang="pt-BR"/>
+              <a:t>Usaremos a métrica de análise de pontos por função (APF).</a:t>
+            </a:r>
+            <a:endParaRPr/>
+          </a:p>
+        </p:txBody>
+      </p:sp>
+    </p:spTree>
+  </p:cSld>
+  <p:clrMapOvr>
+    <a:masterClrMapping/>
+  </p:clrMapOvr>
+</p:sld>
+</file>
+
+<file path=ppt/slides/slide15.xml><?xml version="1.0" encoding="utf-8"?>
+<p:sld xmlns:a="http://schemas.openxmlformats.org/drawingml/2006/main" xmlns:r="http://schemas.openxmlformats.org/officeDocument/2006/relationships" xmlns:mc="http://schemas.openxmlformats.org/markup-compatibility/2006" xmlns:mv="urn:schemas-microsoft-com:mac:vml" xmlns:p="http://schemas.openxmlformats.org/presentationml/2006/main" xmlns:c="http://schemas.openxmlformats.org/drawingml/2006/chart" xmlns:dgm="http://schemas.openxmlformats.org/drawingml/2006/diagram" xmlns:o="urn:schemas-microsoft-com:office:office" xmlns:v="urn:schemas-microsoft-com:vml" xmlns:pvml="urn:schemas-microsoft-com:office:powerpoint" xmlns:com="http://schemas.openxmlformats.org/drawingml/2006/compatibility" xmlns:p14="http://schemas.microsoft.com/office/powerpoint/2010/main" xmlns:p15="http://schemas.microsoft.com/office/powerpoint/2012/main">
+  <p:cSld>
+    <p:spTree>
+      <p:nvGrpSpPr>
+        <p:cNvPr id="219" name="Shape 219"/>
+        <p:cNvGrpSpPr/>
+        <p:nvPr/>
+      </p:nvGrpSpPr>
+      <p:grpSpPr>
+        <a:xfrm>
+          <a:off x="0" y="0"/>
+          <a:ext cx="0" cy="0"/>
+          <a:chOff x="0" y="0"/>
+          <a:chExt cx="0" cy="0"/>
+        </a:xfrm>
+      </p:grpSpPr>
+      <p:sp>
+        <p:nvSpPr>
+          <p:cNvPr id="220" name="Shape 220"/>
+          <p:cNvSpPr txBox="1"/>
+          <p:nvPr>
+            <p:ph type="title"/>
+          </p:nvPr>
+        </p:nvSpPr>
+        <p:spPr>
+          <a:xfrm>
+            <a:off x="1297500" y="393750"/>
+            <a:ext cx="7038900" cy="914100"/>
+          </a:xfrm>
+          <a:prstGeom prst="rect">
+            <a:avLst/>
+          </a:prstGeom>
+        </p:spPr>
+        <p:txBody>
+          <a:bodyPr anchorCtr="0" anchor="t" bIns="91425" lIns="91425" spcFirstLastPara="1" rIns="91425" wrap="square" tIns="91425">
+            <a:noAutofit/>
+          </a:bodyPr>
+          <a:lstStyle/>
+          <a:p>
+            <a:pPr indent="0" lvl="0" marL="0">
+              <a:spcBef>
+                <a:spcPts val="0"/>
+              </a:spcBef>
+              <a:spcAft>
+                <a:spcPts val="0"/>
+              </a:spcAft>
+              <a:buNone/>
+            </a:pPr>
+            <a:r>
+              <a:rPr lang="pt-BR"/>
+              <a:t>Análise de Pontos por Função (APF)</a:t>
+            </a:r>
+            <a:endParaRPr/>
+          </a:p>
+        </p:txBody>
+      </p:sp>
+      <p:sp>
+        <p:nvSpPr>
+          <p:cNvPr id="221" name="Shape 221"/>
+          <p:cNvSpPr txBox="1"/>
+          <p:nvPr>
+            <p:ph idx="1" type="body"/>
+          </p:nvPr>
+        </p:nvSpPr>
+        <p:spPr>
+          <a:xfrm>
+            <a:off x="1297500" y="1567550"/>
+            <a:ext cx="7038900" cy="2911200"/>
+          </a:xfrm>
+          <a:prstGeom prst="rect">
+            <a:avLst/>
+          </a:prstGeom>
+        </p:spPr>
+        <p:txBody>
+          <a:bodyPr anchorCtr="0" anchor="t" bIns="91425" lIns="91425" spcFirstLastPara="1" rIns="91425" wrap="square" tIns="91425">
+            <a:noAutofit/>
+          </a:bodyPr>
+          <a:lstStyle/>
+          <a:p>
+            <a:pPr indent="-311150" lvl="0" marL="457200" rtl="0">
+              <a:spcBef>
+                <a:spcPts val="0"/>
+              </a:spcBef>
+              <a:spcAft>
+                <a:spcPts val="0"/>
+              </a:spcAft>
+              <a:buSzPts val="1300"/>
+              <a:buChar char="●"/>
+            </a:pPr>
+            <a:r>
+              <a:rPr lang="pt-BR"/>
+              <a:t>A métrica objetiva mensurar o software quantificando as tarefas e serviços oferecidos ao usuário, com base em seu projeto lógico.</a:t>
+            </a:r>
+            <a:endParaRPr/>
+          </a:p>
+          <a:p>
+            <a:pPr indent="-311150" lvl="0" marL="457200" rtl="0">
+              <a:spcBef>
+                <a:spcPts val="0"/>
+              </a:spcBef>
+              <a:spcAft>
+                <a:spcPts val="0"/>
+              </a:spcAft>
+              <a:buSzPts val="1300"/>
+              <a:buChar char="●"/>
+            </a:pPr>
+            <a:r>
+              <a:rPr lang="pt-BR"/>
+              <a:t>A unidade de medida resultante do método de APF é o Ponto de Função.</a:t>
+            </a:r>
+            <a:endParaRPr/>
+          </a:p>
+          <a:p>
+            <a:pPr indent="-311150" lvl="0" marL="457200">
+              <a:spcBef>
+                <a:spcPts val="0"/>
+              </a:spcBef>
+              <a:spcAft>
+                <a:spcPts val="0"/>
+              </a:spcAft>
+              <a:buSzPts val="1300"/>
+              <a:buChar char="●"/>
+            </a:pPr>
+            <a:r>
+              <a:rPr lang="pt-BR"/>
+              <a:t>Como insumo para este método podem ser utilizados diversos artefatos, como, documento de especificação de requisitos, protótipos de tela, modelo conceitual, modelo de classes, modelagem de dados, entre outros, desde que, tomando o devido cuidado para levar sempre em consideração a visão do usuário.</a:t>
+            </a:r>
+            <a:endParaRPr/>
+          </a:p>
+        </p:txBody>
+      </p:sp>
+    </p:spTree>
+  </p:cSld>
+  <p:clrMapOvr>
+    <a:masterClrMapping/>
+  </p:clrMapOvr>
+</p:sld>
+</file>
+
+<file path=ppt/slides/slide16.xml><?xml version="1.0" encoding="utf-8"?>
+<p:sld xmlns:a="http://schemas.openxmlformats.org/drawingml/2006/main" xmlns:r="http://schemas.openxmlformats.org/officeDocument/2006/relationships" xmlns:mc="http://schemas.openxmlformats.org/markup-compatibility/2006" xmlns:mv="urn:schemas-microsoft-com:mac:vml" xmlns:p="http://schemas.openxmlformats.org/presentationml/2006/main" xmlns:c="http://schemas.openxmlformats.org/drawingml/2006/chart" xmlns:dgm="http://schemas.openxmlformats.org/drawingml/2006/diagram" xmlns:o="urn:schemas-microsoft-com:office:office" xmlns:v="urn:schemas-microsoft-com:vml" xmlns:pvml="urn:schemas-microsoft-com:office:powerpoint" xmlns:com="http://schemas.openxmlformats.org/drawingml/2006/compatibility" xmlns:p14="http://schemas.microsoft.com/office/powerpoint/2010/main" xmlns:p15="http://schemas.microsoft.com/office/powerpoint/2012/main">
+  <p:cSld>
+    <p:spTree>
+      <p:nvGrpSpPr>
+        <p:cNvPr id="225" name="Shape 225"/>
+        <p:cNvGrpSpPr/>
+        <p:nvPr/>
+      </p:nvGrpSpPr>
+      <p:grpSpPr>
+        <a:xfrm>
+          <a:off x="0" y="0"/>
+          <a:ext cx="0" cy="0"/>
+          <a:chOff x="0" y="0"/>
+          <a:chExt cx="0" cy="0"/>
+        </a:xfrm>
+      </p:grpSpPr>
+      <p:sp>
+        <p:nvSpPr>
+          <p:cNvPr id="226" name="Shape 226"/>
+          <p:cNvSpPr txBox="1"/>
+          <p:nvPr>
+            <p:ph type="title"/>
+          </p:nvPr>
+        </p:nvSpPr>
+        <p:spPr>
+          <a:xfrm>
+            <a:off x="1297500" y="393750"/>
+            <a:ext cx="7038900" cy="914100"/>
+          </a:xfrm>
+          <a:prstGeom prst="rect">
+            <a:avLst/>
+          </a:prstGeom>
+        </p:spPr>
+        <p:txBody>
+          <a:bodyPr anchorCtr="0" anchor="t" bIns="91425" lIns="91425" spcFirstLastPara="1" rIns="91425" wrap="square" tIns="91425">
+            <a:noAutofit/>
+          </a:bodyPr>
+          <a:lstStyle/>
+          <a:p>
+            <a:pPr indent="0" lvl="0" marL="0">
+              <a:spcBef>
+                <a:spcPts val="0"/>
+              </a:spcBef>
+              <a:spcAft>
+                <a:spcPts val="0"/>
+              </a:spcAft>
+              <a:buNone/>
+            </a:pPr>
+            <a:r>
+              <a:rPr lang="pt-BR"/>
+              <a:t>Vantagens do APF </a:t>
+            </a:r>
+            <a:endParaRPr/>
+          </a:p>
+        </p:txBody>
+      </p:sp>
+      <p:sp>
+        <p:nvSpPr>
+          <p:cNvPr id="227" name="Shape 227"/>
+          <p:cNvSpPr txBox="1"/>
+          <p:nvPr>
+            <p:ph idx="1" type="body"/>
+          </p:nvPr>
+        </p:nvSpPr>
+        <p:spPr>
+          <a:xfrm>
+            <a:off x="1297500" y="1567550"/>
+            <a:ext cx="7038900" cy="2911200"/>
+          </a:xfrm>
+          <a:prstGeom prst="rect">
+            <a:avLst/>
+          </a:prstGeom>
+        </p:spPr>
+        <p:txBody>
+          <a:bodyPr anchorCtr="0" anchor="t" bIns="91425" lIns="91425" spcFirstLastPara="1" rIns="91425" wrap="square" tIns="91425">
+            <a:noAutofit/>
+          </a:bodyPr>
+          <a:lstStyle/>
+          <a:p>
+            <a:pPr indent="-311150" lvl="0" marL="457200" rtl="0">
+              <a:spcBef>
+                <a:spcPts val="0"/>
+              </a:spcBef>
+              <a:spcAft>
+                <a:spcPts val="0"/>
+              </a:spcAft>
+              <a:buSzPts val="1300"/>
+              <a:buChar char="●"/>
+            </a:pPr>
+            <a:r>
+              <a:rPr lang="pt-BR"/>
+              <a:t>Método muito simples de ser aplicado;</a:t>
+            </a:r>
+            <a:endParaRPr/>
+          </a:p>
+          <a:p>
+            <a:pPr indent="-311150" lvl="0" marL="457200" rtl="0">
+              <a:spcBef>
+                <a:spcPts val="0"/>
+              </a:spcBef>
+              <a:spcAft>
+                <a:spcPts val="0"/>
+              </a:spcAft>
+              <a:buSzPts val="1300"/>
+              <a:buChar char="●"/>
+            </a:pPr>
+            <a:r>
+              <a:rPr lang="pt-BR"/>
+              <a:t>Medida consistente entre diversos projetos e organizações;</a:t>
+            </a:r>
+            <a:endParaRPr/>
+          </a:p>
+          <a:p>
+            <a:pPr indent="-311150" lvl="0" marL="457200" rtl="0">
+              <a:spcBef>
+                <a:spcPts val="0"/>
+              </a:spcBef>
+              <a:spcAft>
+                <a:spcPts val="0"/>
+              </a:spcAft>
+              <a:buSzPts val="1300"/>
+              <a:buChar char="●"/>
+            </a:pPr>
+            <a:r>
+              <a:rPr lang="pt-BR"/>
+              <a:t>Possui um manual de práticas de contagem, que promove a interpretação consistente da medição funcional de software , estando em conformidade com a ISO/IEC 14143-1:2007.</a:t>
+            </a:r>
+            <a:endParaRPr/>
+          </a:p>
+          <a:p>
+            <a:pPr indent="0" lvl="0" marL="0" rtl="0">
+              <a:spcBef>
+                <a:spcPts val="1600"/>
+              </a:spcBef>
+              <a:spcAft>
+                <a:spcPts val="1600"/>
+              </a:spcAft>
+              <a:buNone/>
             </a:pPr>
             <a:r>
               <a:t/>
@@ -12138,6 +12958,285 @@
 </file>
 
 <file path=ppt/theme/theme1.xml><?xml version="1.0" encoding="utf-8"?>
+<a:theme xmlns:a="http://schemas.openxmlformats.org/drawingml/2006/main" xmlns:r="http://schemas.openxmlformats.org/officeDocument/2006/relationships" name="Focus">
+  <a:themeElements>
+    <a:clrScheme name="Focus">
+      <a:dk1>
+        <a:srgbClr val="1B212C"/>
+      </a:dk1>
+      <a:lt1>
+        <a:srgbClr val="FFFFFF"/>
+      </a:lt1>
+      <a:dk2>
+        <a:srgbClr val="D9D9D9"/>
+      </a:dk2>
+      <a:lt2>
+        <a:srgbClr val="82C7A5"/>
+      </a:lt2>
+      <a:accent1>
+        <a:srgbClr val="0145AC"/>
+      </a:accent1>
+      <a:accent2>
+        <a:srgbClr val="EECE1A"/>
+      </a:accent2>
+      <a:accent3>
+        <a:srgbClr val="4E5567"/>
+      </a:accent3>
+      <a:accent4>
+        <a:srgbClr val="F4D6AD"/>
+      </a:accent4>
+      <a:accent5>
+        <a:srgbClr val="7890CD"/>
+      </a:accent5>
+      <a:accent6>
+        <a:srgbClr val="F15E22"/>
+      </a:accent6>
+      <a:hlink>
+        <a:srgbClr val="7890CD"/>
+      </a:hlink>
+      <a:folHlink>
+        <a:srgbClr val="7890CD"/>
+      </a:folHlink>
+    </a:clrScheme>
+    <a:fontScheme name="Office">
+      <a:majorFont>
+        <a:latin typeface="Arial"/>
+        <a:ea typeface=""/>
+        <a:cs typeface=""/>
+        <a:font script="Jpan" typeface="ＭＳ Ｐゴシック"/>
+        <a:font script="Hang" typeface="맑은 고딕"/>
+        <a:font script="Hans" typeface="宋体"/>
+        <a:font script="Hant" typeface="新細明體"/>
+        <a:font script="Arab" typeface="Times New Roman"/>
+        <a:font script="Hebr" typeface="Times New Roman"/>
+        <a:font script="Thai" typeface="Angsana New"/>
+        <a:font script="Ethi" typeface="Nyala"/>
+        <a:font script="Beng" typeface="Vrinda"/>
+        <a:font script="Gujr" typeface="Shruti"/>
+        <a:font script="Khmr" typeface="MoolBoran"/>
+        <a:font script="Knda" typeface="Tunga"/>
+        <a:font script="Guru" typeface="Raavi"/>
+        <a:font script="Cans" typeface="Euphemia"/>
+        <a:font script="Cher" typeface="Plantagenet Cherokee"/>
+        <a:font script="Yiii" typeface="Microsoft Yi Baiti"/>
+        <a:font script="Tibt" typeface="Microsoft Himalaya"/>
+        <a:font script="Thaa" typeface="MV Boli"/>
+        <a:font script="Deva" typeface="Mangal"/>
+        <a:font script="Telu" typeface="Gautami"/>
+        <a:font script="Taml" typeface="Latha"/>
+        <a:font script="Syrc" typeface="Estrangelo Edessa"/>
+        <a:font script="Orya" typeface="Kalinga"/>
+        <a:font script="Mlym" typeface="Kartika"/>
+        <a:font script="Laoo" typeface="DokChampa"/>
+        <a:font script="Sinh" typeface="Iskoola Pota"/>
+        <a:font script="Mong" typeface="Mongolian Baiti"/>
+        <a:font script="Viet" typeface="Times New Roman"/>
+        <a:font script="Uigh" typeface="Microsoft Uighur"/>
+        <a:font script="Geor" typeface="Sylfaen"/>
+      </a:majorFont>
+      <a:minorFont>
+        <a:latin typeface="Arial"/>
+        <a:ea typeface=""/>
+        <a:cs typeface=""/>
+        <a:font script="Jpan" typeface="ＭＳ Ｐゴシック"/>
+        <a:font script="Hang" typeface="맑은 고딕"/>
+        <a:font script="Hans" typeface="宋体"/>
+        <a:font script="Hant" typeface="新細明體"/>
+        <a:font script="Arab" typeface="Arial"/>
+        <a:font script="Hebr" typeface="Arial"/>
+        <a:font script="Thai" typeface="Cordia New"/>
+        <a:font script="Ethi" typeface="Nyala"/>
+        <a:font script="Beng" typeface="Vrinda"/>
+        <a:font script="Gujr" typeface="Shruti"/>
+        <a:font script="Khmr" typeface="DaunPenh"/>
+        <a:font script="Knda" typeface="Tunga"/>
+        <a:font script="Guru" typeface="Raavi"/>
+        <a:font script="Cans" typeface="Euphemia"/>
+        <a:font script="Cher" typeface="Plantagenet Cherokee"/>
+        <a:font script="Yiii" typeface="Microsoft Yi Baiti"/>
+        <a:font script="Tibt" typeface="Microsoft Himalaya"/>
+        <a:font script="Thaa" typeface="MV Boli"/>
+        <a:font script="Deva" typeface="Mangal"/>
+        <a:font script="Telu" typeface="Gautami"/>
+        <a:font script="Taml" typeface="Latha"/>
+        <a:font script="Syrc" typeface="Estrangelo Edessa"/>
+        <a:font script="Orya" typeface="Kalinga"/>
+        <a:font script="Mlym" typeface="Kartika"/>
+        <a:font script="Laoo" typeface="DokChampa"/>
+        <a:font script="Sinh" typeface="Iskoola Pota"/>
+        <a:font script="Mong" typeface="Mongolian Baiti"/>
+        <a:font script="Viet" typeface="Arial"/>
+        <a:font script="Uigh" typeface="Microsoft Uighur"/>
+        <a:font script="Geor" typeface="Sylfaen"/>
+      </a:minorFont>
+    </a:fontScheme>
+    <a:fmtScheme name="Office">
+      <a:fillStyleLst>
+        <a:solidFill>
+          <a:schemeClr val="phClr"/>
+        </a:solidFill>
+        <a:gradFill rotWithShape="1">
+          <a:gsLst>
+            <a:gs pos="0">
+              <a:schemeClr val="phClr">
+                <a:tint val="50000"/>
+                <a:satMod val="300000"/>
+              </a:schemeClr>
+            </a:gs>
+            <a:gs pos="35000">
+              <a:schemeClr val="phClr">
+                <a:tint val="37000"/>
+                <a:satMod val="300000"/>
+              </a:schemeClr>
+            </a:gs>
+            <a:gs pos="100000">
+              <a:schemeClr val="phClr">
+                <a:tint val="15000"/>
+                <a:satMod val="350000"/>
+              </a:schemeClr>
+            </a:gs>
+          </a:gsLst>
+          <a:lin ang="16200000" scaled="1"/>
+        </a:gradFill>
+        <a:gradFill rotWithShape="1">
+          <a:gsLst>
+            <a:gs pos="0">
+              <a:schemeClr val="phClr">
+                <a:tint val="100000"/>
+                <a:shade val="100000"/>
+                <a:satMod val="130000"/>
+              </a:schemeClr>
+            </a:gs>
+            <a:gs pos="100000">
+              <a:schemeClr val="phClr">
+                <a:tint val="50000"/>
+                <a:shade val="100000"/>
+                <a:satMod val="350000"/>
+              </a:schemeClr>
+            </a:gs>
+          </a:gsLst>
+          <a:lin ang="16200000" scaled="0"/>
+        </a:gradFill>
+      </a:fillStyleLst>
+      <a:lnStyleLst>
+        <a:ln w="9525" cap="flat" cmpd="sng" algn="ctr">
+          <a:solidFill>
+            <a:schemeClr val="phClr">
+              <a:shade val="95000"/>
+              <a:satMod val="105000"/>
+            </a:schemeClr>
+          </a:solidFill>
+          <a:prstDash val="solid"/>
+        </a:ln>
+        <a:ln w="25400" cap="flat" cmpd="sng" algn="ctr">
+          <a:solidFill>
+            <a:schemeClr val="phClr"/>
+          </a:solidFill>
+          <a:prstDash val="solid"/>
+        </a:ln>
+        <a:ln w="38100" cap="flat" cmpd="sng" algn="ctr">
+          <a:solidFill>
+            <a:schemeClr val="phClr"/>
+          </a:solidFill>
+          <a:prstDash val="solid"/>
+        </a:ln>
+      </a:lnStyleLst>
+      <a:effectStyleLst>
+        <a:effectStyle>
+          <a:effectLst>
+            <a:outerShdw blurRad="40000" dist="20000" dir="5400000" rotWithShape="0">
+              <a:srgbClr val="000000">
+                <a:alpha val="38000"/>
+              </a:srgbClr>
+            </a:outerShdw>
+          </a:effectLst>
+        </a:effectStyle>
+        <a:effectStyle>
+          <a:effectLst>
+            <a:outerShdw blurRad="40000" dist="23000" dir="5400000" rotWithShape="0">
+              <a:srgbClr val="000000">
+                <a:alpha val="35000"/>
+              </a:srgbClr>
+            </a:outerShdw>
+          </a:effectLst>
+        </a:effectStyle>
+        <a:effectStyle>
+          <a:effectLst>
+            <a:outerShdw blurRad="40000" dist="23000" dir="5400000" rotWithShape="0">
+              <a:srgbClr val="000000">
+                <a:alpha val="35000"/>
+              </a:srgbClr>
+            </a:outerShdw>
+          </a:effectLst>
+          <a:scene3d>
+            <a:camera prst="orthographicFront">
+              <a:rot lat="0" lon="0" rev="0"/>
+            </a:camera>
+            <a:lightRig rig="threePt" dir="t">
+              <a:rot lat="0" lon="0" rev="1200000"/>
+            </a:lightRig>
+          </a:scene3d>
+          <a:sp3d>
+            <a:bevelT w="63500" h="25400"/>
+          </a:sp3d>
+        </a:effectStyle>
+      </a:effectStyleLst>
+      <a:bgFillStyleLst>
+        <a:solidFill>
+          <a:schemeClr val="phClr"/>
+        </a:solidFill>
+        <a:gradFill rotWithShape="1">
+          <a:gsLst>
+            <a:gs pos="0">
+              <a:schemeClr val="phClr">
+                <a:tint val="40000"/>
+                <a:satMod val="350000"/>
+              </a:schemeClr>
+            </a:gs>
+            <a:gs pos="40000">
+              <a:schemeClr val="phClr">
+                <a:tint val="45000"/>
+                <a:shade val="99000"/>
+                <a:satMod val="350000"/>
+              </a:schemeClr>
+            </a:gs>
+            <a:gs pos="100000">
+              <a:schemeClr val="phClr">
+                <a:shade val="20000"/>
+                <a:satMod val="255000"/>
+              </a:schemeClr>
+            </a:gs>
+          </a:gsLst>
+          <a:path path="circle">
+            <a:fillToRect l="50000" t="-80000" r="50000" b="180000"/>
+          </a:path>
+        </a:gradFill>
+        <a:gradFill rotWithShape="1">
+          <a:gsLst>
+            <a:gs pos="0">
+              <a:schemeClr val="phClr">
+                <a:tint val="80000"/>
+                <a:satMod val="300000"/>
+              </a:schemeClr>
+            </a:gs>
+            <a:gs pos="100000">
+              <a:schemeClr val="phClr">
+                <a:shade val="30000"/>
+                <a:satMod val="200000"/>
+              </a:schemeClr>
+            </a:gs>
+          </a:gsLst>
+          <a:path path="circle">
+            <a:fillToRect l="50000" t="50000" r="50000" b="50000"/>
+          </a:path>
+        </a:gradFill>
+      </a:bgFillStyleLst>
+    </a:fmtScheme>
+  </a:themeElements>
+</a:theme>
+</file>
+
+<file path=ppt/theme/theme2.xml><?xml version="1.0" encoding="utf-8"?>
 <a:theme xmlns:a="http://schemas.openxmlformats.org/drawingml/2006/main" xmlns:r="http://schemas.openxmlformats.org/officeDocument/2006/relationships">
   <a:themeElements>
     <a:clrScheme name="Default">
@@ -12414,283 +13513,4 @@
     </a:fmtScheme>
   </a:themeElements>
 </a:theme>
-</file>
-
-<file path=ppt/theme/theme2.xml><?xml version="1.0" encoding="utf-8"?>
-<a:theme xmlns:a="http://schemas.openxmlformats.org/drawingml/2006/main" xmlns:r="http://schemas.openxmlformats.org/officeDocument/2006/relationships" name="Focus">
-  <a:themeElements>
-    <a:clrScheme name="Focus">
-      <a:dk1>
-        <a:srgbClr val="1B212C"/>
-      </a:dk1>
-      <a:lt1>
-        <a:srgbClr val="FFFFFF"/>
-      </a:lt1>
-      <a:dk2>
-        <a:srgbClr val="D9D9D9"/>
-      </a:dk2>
-      <a:lt2>
-        <a:srgbClr val="82C7A5"/>
-      </a:lt2>
-      <a:accent1>
-        <a:srgbClr val="0145AC"/>
-      </a:accent1>
-      <a:accent2>
-        <a:srgbClr val="EECE1A"/>
-      </a:accent2>
-      <a:accent3>
-        <a:srgbClr val="4E5567"/>
-      </a:accent3>
-      <a:accent4>
-        <a:srgbClr val="F4D6AD"/>
-      </a:accent4>
-      <a:accent5>
-        <a:srgbClr val="7890CD"/>
-      </a:accent5>
-      <a:accent6>
-        <a:srgbClr val="F15E22"/>
-      </a:accent6>
-      <a:hlink>
-        <a:srgbClr val="7890CD"/>
-      </a:hlink>
-      <a:folHlink>
-        <a:srgbClr val="7890CD"/>
-      </a:folHlink>
-    </a:clrScheme>
-    <a:fontScheme name="Office">
-      <a:majorFont>
-        <a:latin typeface="Arial"/>
-        <a:ea typeface=""/>
-        <a:cs typeface=""/>
-        <a:font script="Jpan" typeface="ＭＳ Ｐゴシック"/>
-        <a:font script="Hang" typeface="맑은 고딕"/>
-        <a:font script="Hans" typeface="宋体"/>
-        <a:font script="Hant" typeface="新細明體"/>
-        <a:font script="Arab" typeface="Times New Roman"/>
-        <a:font script="Hebr" typeface="Times New Roman"/>
-        <a:font script="Thai" typeface="Angsana New"/>
-        <a:font script="Ethi" typeface="Nyala"/>
-        <a:font script="Beng" typeface="Vrinda"/>
-        <a:font script="Gujr" typeface="Shruti"/>
-        <a:font script="Khmr" typeface="MoolBoran"/>
-        <a:font script="Knda" typeface="Tunga"/>
-        <a:font script="Guru" typeface="Raavi"/>
-        <a:font script="Cans" typeface="Euphemia"/>
-        <a:font script="Cher" typeface="Plantagenet Cherokee"/>
-        <a:font script="Yiii" typeface="Microsoft Yi Baiti"/>
-        <a:font script="Tibt" typeface="Microsoft Himalaya"/>
-        <a:font script="Thaa" typeface="MV Boli"/>
-        <a:font script="Deva" typeface="Mangal"/>
-        <a:font script="Telu" typeface="Gautami"/>
-        <a:font script="Taml" typeface="Latha"/>
-        <a:font script="Syrc" typeface="Estrangelo Edessa"/>
-        <a:font script="Orya" typeface="Kalinga"/>
-        <a:font script="Mlym" typeface="Kartika"/>
-        <a:font script="Laoo" typeface="DokChampa"/>
-        <a:font script="Sinh" typeface="Iskoola Pota"/>
-        <a:font script="Mong" typeface="Mongolian Baiti"/>
-        <a:font script="Viet" typeface="Times New Roman"/>
-        <a:font script="Uigh" typeface="Microsoft Uighur"/>
-        <a:font script="Geor" typeface="Sylfaen"/>
-      </a:majorFont>
-      <a:minorFont>
-        <a:latin typeface="Arial"/>
-        <a:ea typeface=""/>
-        <a:cs typeface=""/>
-        <a:font script="Jpan" typeface="ＭＳ Ｐゴシック"/>
-        <a:font script="Hang" typeface="맑은 고딕"/>
-        <a:font script="Hans" typeface="宋体"/>
-        <a:font script="Hant" typeface="新細明體"/>
-        <a:font script="Arab" typeface="Arial"/>
-        <a:font script="Hebr" typeface="Arial"/>
-        <a:font script="Thai" typeface="Cordia New"/>
-        <a:font script="Ethi" typeface="Nyala"/>
-        <a:font script="Beng" typeface="Vrinda"/>
-        <a:font script="Gujr" typeface="Shruti"/>
-        <a:font script="Khmr" typeface="DaunPenh"/>
-        <a:font script="Knda" typeface="Tunga"/>
-        <a:font script="Guru" typeface="Raavi"/>
-        <a:font script="Cans" typeface="Euphemia"/>
-        <a:font script="Cher" typeface="Plantagenet Cherokee"/>
-        <a:font script="Yiii" typeface="Microsoft Yi Baiti"/>
-        <a:font script="Tibt" typeface="Microsoft Himalaya"/>
-        <a:font script="Thaa" typeface="MV Boli"/>
-        <a:font script="Deva" typeface="Mangal"/>
-        <a:font script="Telu" typeface="Gautami"/>
-        <a:font script="Taml" typeface="Latha"/>
-        <a:font script="Syrc" typeface="Estrangelo Edessa"/>
-        <a:font script="Orya" typeface="Kalinga"/>
-        <a:font script="Mlym" typeface="Kartika"/>
-        <a:font script="Laoo" typeface="DokChampa"/>
-        <a:font script="Sinh" typeface="Iskoola Pota"/>
-        <a:font script="Mong" typeface="Mongolian Baiti"/>
-        <a:font script="Viet" typeface="Arial"/>
-        <a:font script="Uigh" typeface="Microsoft Uighur"/>
-        <a:font script="Geor" typeface="Sylfaen"/>
-      </a:minorFont>
-    </a:fontScheme>
-    <a:fmtScheme name="Office">
-      <a:fillStyleLst>
-        <a:solidFill>
-          <a:schemeClr val="phClr"/>
-        </a:solidFill>
-        <a:gradFill rotWithShape="1">
-          <a:gsLst>
-            <a:gs pos="0">
-              <a:schemeClr val="phClr">
-                <a:tint val="50000"/>
-                <a:satMod val="300000"/>
-              </a:schemeClr>
-            </a:gs>
-            <a:gs pos="35000">
-              <a:schemeClr val="phClr">
-                <a:tint val="37000"/>
-                <a:satMod val="300000"/>
-              </a:schemeClr>
-            </a:gs>
-            <a:gs pos="100000">
-              <a:schemeClr val="phClr">
-                <a:tint val="15000"/>
-                <a:satMod val="350000"/>
-              </a:schemeClr>
-            </a:gs>
-          </a:gsLst>
-          <a:lin ang="16200000" scaled="1"/>
-        </a:gradFill>
-        <a:gradFill rotWithShape="1">
-          <a:gsLst>
-            <a:gs pos="0">
-              <a:schemeClr val="phClr">
-                <a:tint val="100000"/>
-                <a:shade val="100000"/>
-                <a:satMod val="130000"/>
-              </a:schemeClr>
-            </a:gs>
-            <a:gs pos="100000">
-              <a:schemeClr val="phClr">
-                <a:tint val="50000"/>
-                <a:shade val="100000"/>
-                <a:satMod val="350000"/>
-              </a:schemeClr>
-            </a:gs>
-          </a:gsLst>
-          <a:lin ang="16200000" scaled="0"/>
-        </a:gradFill>
-      </a:fillStyleLst>
-      <a:lnStyleLst>
-        <a:ln w="9525" cap="flat" cmpd="sng" algn="ctr">
-          <a:solidFill>
-            <a:schemeClr val="phClr">
-              <a:shade val="95000"/>
-              <a:satMod val="105000"/>
-            </a:schemeClr>
-          </a:solidFill>
-          <a:prstDash val="solid"/>
-        </a:ln>
-        <a:ln w="25400" cap="flat" cmpd="sng" algn="ctr">
-          <a:solidFill>
-            <a:schemeClr val="phClr"/>
-          </a:solidFill>
-          <a:prstDash val="solid"/>
-        </a:ln>
-        <a:ln w="38100" cap="flat" cmpd="sng" algn="ctr">
-          <a:solidFill>
-            <a:schemeClr val="phClr"/>
-          </a:solidFill>
-          <a:prstDash val="solid"/>
-        </a:ln>
-      </a:lnStyleLst>
-      <a:effectStyleLst>
-        <a:effectStyle>
-          <a:effectLst>
-            <a:outerShdw blurRad="40000" dist="20000" dir="5400000" rotWithShape="0">
-              <a:srgbClr val="000000">
-                <a:alpha val="38000"/>
-              </a:srgbClr>
-            </a:outerShdw>
-          </a:effectLst>
-        </a:effectStyle>
-        <a:effectStyle>
-          <a:effectLst>
-            <a:outerShdw blurRad="40000" dist="23000" dir="5400000" rotWithShape="0">
-              <a:srgbClr val="000000">
-                <a:alpha val="35000"/>
-              </a:srgbClr>
-            </a:outerShdw>
-          </a:effectLst>
-        </a:effectStyle>
-        <a:effectStyle>
-          <a:effectLst>
-            <a:outerShdw blurRad="40000" dist="23000" dir="5400000" rotWithShape="0">
-              <a:srgbClr val="000000">
-                <a:alpha val="35000"/>
-              </a:srgbClr>
-            </a:outerShdw>
-          </a:effectLst>
-          <a:scene3d>
-            <a:camera prst="orthographicFront">
-              <a:rot lat="0" lon="0" rev="0"/>
-            </a:camera>
-            <a:lightRig rig="threePt" dir="t">
-              <a:rot lat="0" lon="0" rev="1200000"/>
-            </a:lightRig>
-          </a:scene3d>
-          <a:sp3d>
-            <a:bevelT w="63500" h="25400"/>
-          </a:sp3d>
-        </a:effectStyle>
-      </a:effectStyleLst>
-      <a:bgFillStyleLst>
-        <a:solidFill>
-          <a:schemeClr val="phClr"/>
-        </a:solidFill>
-        <a:gradFill rotWithShape="1">
-          <a:gsLst>
-            <a:gs pos="0">
-              <a:schemeClr val="phClr">
-                <a:tint val="40000"/>
-                <a:satMod val="350000"/>
-              </a:schemeClr>
-            </a:gs>
-            <a:gs pos="40000">
-              <a:schemeClr val="phClr">
-                <a:tint val="45000"/>
-                <a:shade val="99000"/>
-                <a:satMod val="350000"/>
-              </a:schemeClr>
-            </a:gs>
-            <a:gs pos="100000">
-              <a:schemeClr val="phClr">
-                <a:shade val="20000"/>
-                <a:satMod val="255000"/>
-              </a:schemeClr>
-            </a:gs>
-          </a:gsLst>
-          <a:path path="circle">
-            <a:fillToRect l="50000" t="-80000" r="50000" b="180000"/>
-          </a:path>
-        </a:gradFill>
-        <a:gradFill rotWithShape="1">
-          <a:gsLst>
-            <a:gs pos="0">
-              <a:schemeClr val="phClr">
-                <a:tint val="80000"/>
-                <a:satMod val="300000"/>
-              </a:schemeClr>
-            </a:gs>
-            <a:gs pos="100000">
-              <a:schemeClr val="phClr">
-                <a:shade val="30000"/>
-                <a:satMod val="200000"/>
-              </a:schemeClr>
-            </a:gs>
-          </a:gsLst>
-          <a:path path="circle">
-            <a:fillToRect l="50000" t="50000" r="50000" b="50000"/>
-          </a:path>
-        </a:gradFill>
-      </a:bgFillStyleLst>
-    </a:fmtScheme>
-  </a:themeElements>
-</a:theme>
 </file>
--- a/Apresentação 03.pptx
+++ b/Apresentação 03.pptx
@@ -24,23 +24,24 @@
     <p:sldId id="269" r:id="rId19"/>
     <p:sldId id="270" r:id="rId20"/>
     <p:sldId id="271" r:id="rId21"/>
+    <p:sldId id="272" r:id="rId22"/>
   </p:sldIdLst>
-  <p:sldSz cy="5143500" cx="9144000"/>
+  <p:sldSz cy="6858000" cx="9144000"/>
   <p:notesSz cx="6858000" cy="9144000"/>
   <p:embeddedFontLst>
     <p:embeddedFont>
       <p:font typeface="Montserrat"/>
-      <p:regular r:id="rId22"/>
-      <p:bold r:id="rId23"/>
-      <p:italic r:id="rId24"/>
-      <p:boldItalic r:id="rId25"/>
+      <p:regular r:id="rId23"/>
+      <p:bold r:id="rId24"/>
+      <p:italic r:id="rId25"/>
+      <p:boldItalic r:id="rId26"/>
     </p:embeddedFont>
     <p:embeddedFont>
       <p:font typeface="Lato"/>
-      <p:regular r:id="rId26"/>
-      <p:bold r:id="rId27"/>
-      <p:italic r:id="rId28"/>
-      <p:boldItalic r:id="rId29"/>
+      <p:regular r:id="rId27"/>
+      <p:bold r:id="rId28"/>
+      <p:italic r:id="rId29"/>
+      <p:boldItalic r:id="rId30"/>
     </p:embeddedFont>
   </p:embeddedFontLst>
   <p:defaultTextStyle>
@@ -275,7 +276,7 @@
   <p:extLst>
     <p:ext uri="{EFAFB233-063F-42B5-8137-9DF3F51BA10A}">
       <p15:sldGuideLst>
-        <p15:guide id="1" orient="horz" pos="1620">
+        <p15:guide id="1" orient="horz" pos="2160">
           <p15:clr>
             <a:srgbClr val="A4A3A4"/>
           </p15:clr>
@@ -318,8 +319,8 @@
         </p:nvSpPr>
         <p:spPr>
           <a:xfrm>
-            <a:off x="381300" y="685800"/>
-            <a:ext cx="6096075" cy="3429000"/>
+            <a:off x="1143309" y="685800"/>
+            <a:ext cx="4572000" cy="3429000"/>
           </a:xfrm>
           <a:custGeom>
             <a:pathLst>
@@ -741,8 +742,8 @@
         </p:nvSpPr>
         <p:spPr>
           <a:xfrm>
-            <a:off x="381300" y="685800"/>
-            <a:ext cx="6096075" cy="3429000"/>
+            <a:off x="1143309" y="685800"/>
+            <a:ext cx="4572000" cy="3429000"/>
           </a:xfrm>
           <a:custGeom>
             <a:pathLst>
@@ -839,8 +840,8 @@
         </p:nvSpPr>
         <p:spPr>
           <a:xfrm>
-            <a:off x="381300" y="685800"/>
-            <a:ext cx="6096000" cy="3429000"/>
+            <a:off x="1143300" y="685800"/>
+            <a:ext cx="4572000" cy="3429000"/>
           </a:xfrm>
           <a:custGeom>
             <a:pathLst>
@@ -937,8 +938,8 @@
         </p:nvSpPr>
         <p:spPr>
           <a:xfrm>
-            <a:off x="381300" y="685800"/>
-            <a:ext cx="6096000" cy="3429000"/>
+            <a:off x="1143300" y="685800"/>
+            <a:ext cx="4572000" cy="3429000"/>
           </a:xfrm>
           <a:custGeom>
             <a:pathLst>
@@ -1035,8 +1036,8 @@
         </p:nvSpPr>
         <p:spPr>
           <a:xfrm>
-            <a:off x="381300" y="685800"/>
-            <a:ext cx="6096000" cy="3429000"/>
+            <a:off x="1143300" y="685800"/>
+            <a:ext cx="4572000" cy="3429000"/>
           </a:xfrm>
           <a:custGeom>
             <a:pathLst>
@@ -1133,8 +1134,8 @@
         </p:nvSpPr>
         <p:spPr>
           <a:xfrm>
-            <a:off x="381300" y="685800"/>
-            <a:ext cx="6096000" cy="3429000"/>
+            <a:off x="1143300" y="685800"/>
+            <a:ext cx="4572000" cy="3429000"/>
           </a:xfrm>
           <a:custGeom>
             <a:pathLst>
@@ -1231,8 +1232,8 @@
         </p:nvSpPr>
         <p:spPr>
           <a:xfrm>
-            <a:off x="381300" y="685800"/>
-            <a:ext cx="6096000" cy="3429000"/>
+            <a:off x="1143300" y="685800"/>
+            <a:ext cx="4572000" cy="3429000"/>
           </a:xfrm>
           <a:custGeom>
             <a:pathLst>
@@ -1329,8 +1330,8 @@
         </p:nvSpPr>
         <p:spPr>
           <a:xfrm>
-            <a:off x="381300" y="685800"/>
-            <a:ext cx="6096000" cy="3429000"/>
+            <a:off x="1143300" y="685800"/>
+            <a:ext cx="4572000" cy="3429000"/>
           </a:xfrm>
           <a:custGeom>
             <a:pathLst>
@@ -1427,8 +1428,8 @@
         </p:nvSpPr>
         <p:spPr>
           <a:xfrm>
-            <a:off x="381300" y="685800"/>
-            <a:ext cx="6096000" cy="3429000"/>
+            <a:off x="1143300" y="685800"/>
+            <a:ext cx="4572000" cy="3429000"/>
           </a:xfrm>
           <a:custGeom>
             <a:pathLst>
@@ -1498,6 +1499,104 @@
 </p:notes>
 </file>
 
+<file path=ppt/notesSlides/notesSlide17.xml><?xml version="1.0" encoding="utf-8"?>
+<p:notes xmlns:a="http://schemas.openxmlformats.org/drawingml/2006/main" xmlns:r="http://schemas.openxmlformats.org/officeDocument/2006/relationships" xmlns:mc="http://schemas.openxmlformats.org/markup-compatibility/2006" xmlns:mv="urn:schemas-microsoft-com:mac:vml" xmlns:p="http://schemas.openxmlformats.org/presentationml/2006/main" xmlns:c="http://schemas.openxmlformats.org/drawingml/2006/chart" xmlns:dgm="http://schemas.openxmlformats.org/drawingml/2006/diagram" xmlns:o="urn:schemas-microsoft-com:office:office" xmlns:v="urn:schemas-microsoft-com:vml" xmlns:pvml="urn:schemas-microsoft-com:office:powerpoint" xmlns:com="http://schemas.openxmlformats.org/drawingml/2006/compatibility" xmlns:p14="http://schemas.microsoft.com/office/powerpoint/2010/main" xmlns:p15="http://schemas.microsoft.com/office/powerpoint/2012/main" showMasterPhAnim="0" showMasterSp="0">
+  <p:cSld>
+    <p:spTree>
+      <p:nvGrpSpPr>
+        <p:cNvPr id="228" name="Shape 228"/>
+        <p:cNvGrpSpPr/>
+        <p:nvPr/>
+      </p:nvGrpSpPr>
+      <p:grpSpPr>
+        <a:xfrm>
+          <a:off x="0" y="0"/>
+          <a:ext cx="0" cy="0"/>
+          <a:chOff x="0" y="0"/>
+          <a:chExt cx="0" cy="0"/>
+        </a:xfrm>
+      </p:grpSpPr>
+      <p:sp>
+        <p:nvSpPr>
+          <p:cNvPr id="229" name="Shape 229"/>
+          <p:cNvSpPr/>
+          <p:nvPr>
+            <p:ph idx="2" type="sldImg"/>
+          </p:nvPr>
+        </p:nvSpPr>
+        <p:spPr>
+          <a:xfrm>
+            <a:off x="1143300" y="685800"/>
+            <a:ext cx="4572000" cy="3429000"/>
+          </a:xfrm>
+          <a:custGeom>
+            <a:pathLst>
+              <a:path extrusionOk="0" h="120000" w="120000">
+                <a:moveTo>
+                  <a:pt x="0" y="0"/>
+                </a:moveTo>
+                <a:lnTo>
+                  <a:pt x="120000" y="0"/>
+                </a:lnTo>
+                <a:lnTo>
+                  <a:pt x="120000" y="120000"/>
+                </a:lnTo>
+                <a:lnTo>
+                  <a:pt x="0" y="120000"/>
+                </a:lnTo>
+                <a:close/>
+              </a:path>
+            </a:pathLst>
+          </a:custGeom>
+        </p:spPr>
+      </p:sp>
+      <p:sp>
+        <p:nvSpPr>
+          <p:cNvPr id="230" name="Shape 230"/>
+          <p:cNvSpPr txBox="1"/>
+          <p:nvPr>
+            <p:ph idx="1" type="body"/>
+          </p:nvPr>
+        </p:nvSpPr>
+        <p:spPr>
+          <a:xfrm>
+            <a:off x="685800" y="4343400"/>
+            <a:ext cx="5486400" cy="4114800"/>
+          </a:xfrm>
+          <a:prstGeom prst="rect">
+            <a:avLst/>
+          </a:prstGeom>
+        </p:spPr>
+        <p:txBody>
+          <a:bodyPr anchorCtr="0" anchor="t" bIns="91425" lIns="91425" spcFirstLastPara="1" rIns="91425" wrap="square" tIns="91425">
+            <a:noAutofit/>
+          </a:bodyPr>
+          <a:lstStyle/>
+          <a:p>
+            <a:pPr indent="0" lvl="0" marL="0">
+              <a:spcBef>
+                <a:spcPts val="0"/>
+              </a:spcBef>
+              <a:spcAft>
+                <a:spcPts val="0"/>
+              </a:spcAft>
+              <a:buNone/>
+            </a:pPr>
+            <a:r>
+              <a:t/>
+            </a:r>
+            <a:endParaRPr/>
+          </a:p>
+        </p:txBody>
+      </p:sp>
+    </p:spTree>
+  </p:cSld>
+  <p:clrMapOvr>
+    <a:masterClrMapping/>
+  </p:clrMapOvr>
+</p:notes>
+</file>
+
 <file path=ppt/notesSlides/notesSlide2.xml><?xml version="1.0" encoding="utf-8"?>
 <p:notes xmlns:a="http://schemas.openxmlformats.org/drawingml/2006/main" xmlns:r="http://schemas.openxmlformats.org/officeDocument/2006/relationships" xmlns:mc="http://schemas.openxmlformats.org/markup-compatibility/2006" xmlns:mv="urn:schemas-microsoft-com:mac:vml" xmlns:p="http://schemas.openxmlformats.org/presentationml/2006/main" xmlns:c="http://schemas.openxmlformats.org/drawingml/2006/chart" xmlns:dgm="http://schemas.openxmlformats.org/drawingml/2006/diagram" xmlns:o="urn:schemas-microsoft-com:office:office" xmlns:v="urn:schemas-microsoft-com:vml" xmlns:pvml="urn:schemas-microsoft-com:office:powerpoint" xmlns:com="http://schemas.openxmlformats.org/drawingml/2006/compatibility" xmlns:p14="http://schemas.microsoft.com/office/powerpoint/2010/main" xmlns:p15="http://schemas.microsoft.com/office/powerpoint/2012/main" showMasterPhAnim="0" showMasterSp="0">
   <p:cSld>
@@ -1525,8 +1624,8 @@
         </p:nvSpPr>
         <p:spPr>
           <a:xfrm>
-            <a:off x="381300" y="685800"/>
-            <a:ext cx="6096000" cy="3429000"/>
+            <a:off x="1143300" y="685800"/>
+            <a:ext cx="4572000" cy="3429000"/>
           </a:xfrm>
           <a:custGeom>
             <a:pathLst>
@@ -1623,8 +1722,8 @@
         </p:nvSpPr>
         <p:spPr>
           <a:xfrm>
-            <a:off x="381300" y="685800"/>
-            <a:ext cx="6096000" cy="3429000"/>
+            <a:off x="1143300" y="685800"/>
+            <a:ext cx="4572000" cy="3429000"/>
           </a:xfrm>
           <a:custGeom>
             <a:pathLst>
@@ -1721,8 +1820,8 @@
         </p:nvSpPr>
         <p:spPr>
           <a:xfrm>
-            <a:off x="381300" y="685800"/>
-            <a:ext cx="6096000" cy="3429000"/>
+            <a:off x="1143300" y="685800"/>
+            <a:ext cx="4572000" cy="3429000"/>
           </a:xfrm>
           <a:custGeom>
             <a:pathLst>
@@ -1819,8 +1918,8 @@
         </p:nvSpPr>
         <p:spPr>
           <a:xfrm>
-            <a:off x="381300" y="685800"/>
-            <a:ext cx="6096000" cy="3429000"/>
+            <a:off x="1143300" y="685800"/>
+            <a:ext cx="4572000" cy="3429000"/>
           </a:xfrm>
           <a:custGeom>
             <a:pathLst>
@@ -1917,8 +2016,8 @@
         </p:nvSpPr>
         <p:spPr>
           <a:xfrm>
-            <a:off x="381300" y="685800"/>
-            <a:ext cx="6096000" cy="3429000"/>
+            <a:off x="1143300" y="685800"/>
+            <a:ext cx="4572000" cy="3429000"/>
           </a:xfrm>
           <a:custGeom>
             <a:pathLst>
@@ -2015,8 +2114,8 @@
         </p:nvSpPr>
         <p:spPr>
           <a:xfrm>
-            <a:off x="381300" y="685800"/>
-            <a:ext cx="6096000" cy="3429000"/>
+            <a:off x="1143300" y="685800"/>
+            <a:ext cx="4572000" cy="3429000"/>
           </a:xfrm>
           <a:custGeom>
             <a:pathLst>
@@ -2113,8 +2212,8 @@
         </p:nvSpPr>
         <p:spPr>
           <a:xfrm>
-            <a:off x="381300" y="685800"/>
-            <a:ext cx="6096000" cy="3429000"/>
+            <a:off x="1143300" y="685800"/>
+            <a:ext cx="4572000" cy="3429000"/>
           </a:xfrm>
           <a:custGeom>
             <a:pathLst>
@@ -2211,8 +2310,8 @@
         </p:nvSpPr>
         <p:spPr>
           <a:xfrm>
-            <a:off x="381300" y="685800"/>
-            <a:ext cx="6096000" cy="3429000"/>
+            <a:off x="1143300" y="685800"/>
+            <a:ext cx="4572000" cy="3429000"/>
           </a:xfrm>
           <a:custGeom>
             <a:pathLst>
@@ -2307,8 +2406,8 @@
         </p:nvSpPr>
         <p:spPr>
           <a:xfrm rot="5400000">
-            <a:off x="7500300" y="505"/>
-            <a:ext cx="1643700" cy="1643700"/>
+            <a:off x="7226400" y="274573"/>
+            <a:ext cx="2191500" cy="1643700"/>
           </a:xfrm>
           <a:prstGeom prst="diagStripe">
             <a:avLst>
@@ -2354,8 +2453,8 @@
         </p:nvGrpSpPr>
         <p:grpSpPr>
           <a:xfrm>
-            <a:off x="0" y="490"/>
-            <a:ext cx="5153705" cy="5134399"/>
+            <a:off x="0" y="654"/>
+            <a:ext cx="5153705" cy="6845694"/>
             <a:chOff x="0" y="75"/>
             <a:chExt cx="5153705" cy="5152950"/>
           </a:xfrm>
@@ -2555,8 +2654,8 @@
         </p:nvSpPr>
         <p:spPr>
           <a:xfrm>
-            <a:off x="3537150" y="1578400"/>
-            <a:ext cx="5017500" cy="1578900"/>
+            <a:off x="3537150" y="2104533"/>
+            <a:ext cx="5017500" cy="2105100"/>
           </a:xfrm>
           <a:prstGeom prst="rect">
             <a:avLst/>
@@ -2678,8 +2777,8 @@
         </p:nvSpPr>
         <p:spPr>
           <a:xfrm>
-            <a:off x="5083950" y="3924925"/>
-            <a:ext cx="3470700" cy="506100"/>
+            <a:off x="5083950" y="5233233"/>
+            <a:ext cx="3470700" cy="674700"/>
           </a:xfrm>
           <a:prstGeom prst="rect">
             <a:avLst/>
@@ -2828,8 +2927,8 @@
         </p:nvSpPr>
         <p:spPr>
           <a:xfrm>
-            <a:off x="8472458" y="4663217"/>
-            <a:ext cx="548700" cy="393600"/>
+            <a:off x="8472458" y="6217622"/>
+            <a:ext cx="548700" cy="524700"/>
           </a:xfrm>
           <a:prstGeom prst="rect">
             <a:avLst/>
@@ -2929,7 +3028,7 @@
         <p:grpSpPr>
           <a:xfrm>
             <a:off x="4406400" y="0"/>
-            <a:ext cx="4737600" cy="5143065"/>
+            <a:ext cx="4737600" cy="6857248"/>
             <a:chOff x="4406400" y="0"/>
             <a:chExt cx="4737600" cy="5143065"/>
           </a:xfrm>
@@ -3787,8 +3886,8 @@
         </p:nvSpPr>
         <p:spPr>
           <a:xfrm>
-            <a:off x="823850" y="1284675"/>
-            <a:ext cx="4776000" cy="1300800"/>
+            <a:off x="823850" y="1712900"/>
+            <a:ext cx="4776000" cy="1734300"/>
           </a:xfrm>
           <a:prstGeom prst="rect">
             <a:avLst/>
@@ -3914,8 +4013,8 @@
         </p:nvSpPr>
         <p:spPr>
           <a:xfrm>
-            <a:off x="823850" y="2643124"/>
-            <a:ext cx="4776000" cy="1218900"/>
+            <a:off x="823850" y="3524166"/>
+            <a:ext cx="4776000" cy="1625100"/>
           </a:xfrm>
           <a:prstGeom prst="rect">
             <a:avLst/>
@@ -4037,8 +4136,8 @@
         </p:nvSpPr>
         <p:spPr>
           <a:xfrm>
-            <a:off x="8472458" y="4663217"/>
-            <a:ext cx="548700" cy="393600"/>
+            <a:off x="8472458" y="6217622"/>
+            <a:ext cx="548700" cy="524700"/>
           </a:xfrm>
           <a:prstGeom prst="rect">
             <a:avLst/>
@@ -4139,8 +4238,8 @@
         </p:nvSpPr>
         <p:spPr>
           <a:xfrm>
-            <a:off x="8472458" y="4663217"/>
-            <a:ext cx="548700" cy="393600"/>
+            <a:off x="8472458" y="6217622"/>
+            <a:ext cx="548700" cy="524700"/>
           </a:xfrm>
           <a:prstGeom prst="rect">
             <a:avLst/>
@@ -4240,7 +4339,7 @@
         <p:grpSpPr>
           <a:xfrm>
             <a:off x="4406400" y="0"/>
-            <a:ext cx="4737600" cy="5143065"/>
+            <a:ext cx="4737600" cy="6857248"/>
             <a:chOff x="4406400" y="0"/>
             <a:chExt cx="4737600" cy="5143065"/>
           </a:xfrm>
@@ -5098,8 +5197,8 @@
         </p:nvSpPr>
         <p:spPr>
           <a:xfrm>
-            <a:off x="823850" y="2053000"/>
-            <a:ext cx="4587000" cy="1148700"/>
+            <a:off x="823850" y="2737333"/>
+            <a:ext cx="4587000" cy="1531500"/>
           </a:xfrm>
           <a:prstGeom prst="rect">
             <a:avLst/>
@@ -5221,8 +5320,8 @@
         </p:nvSpPr>
         <p:spPr>
           <a:xfrm>
-            <a:off x="8472458" y="4663217"/>
-            <a:ext cx="548700" cy="393600"/>
+            <a:off x="8472458" y="6217622"/>
+            <a:ext cx="548700" cy="524700"/>
           </a:xfrm>
           <a:prstGeom prst="rect">
             <a:avLst/>
@@ -5321,8 +5420,8 @@
         </p:nvGrpSpPr>
         <p:grpSpPr>
           <a:xfrm>
-            <a:off x="0" y="381001"/>
-            <a:ext cx="1037850" cy="1016287"/>
+            <a:off x="0" y="507989"/>
+            <a:ext cx="1037850" cy="1355016"/>
             <a:chOff x="0" y="381001"/>
             <a:chExt cx="1037850" cy="1016287"/>
           </a:xfrm>
@@ -5428,8 +5527,8 @@
         </p:nvSpPr>
         <p:spPr>
           <a:xfrm>
-            <a:off x="1297500" y="393750"/>
-            <a:ext cx="7038900" cy="914100"/>
+            <a:off x="1297500" y="525000"/>
+            <a:ext cx="7038900" cy="1218900"/>
           </a:xfrm>
           <a:prstGeom prst="rect">
             <a:avLst/>
@@ -5551,8 +5650,8 @@
         </p:nvSpPr>
         <p:spPr>
           <a:xfrm>
-            <a:off x="1297500" y="1567550"/>
-            <a:ext cx="7038900" cy="2911200"/>
+            <a:off x="1297500" y="2090067"/>
+            <a:ext cx="7038900" cy="3881700"/>
           </a:xfrm>
           <a:prstGeom prst="rect">
             <a:avLst/>
@@ -5674,8 +5773,8 @@
         </p:nvSpPr>
         <p:spPr>
           <a:xfrm>
-            <a:off x="8472458" y="4663217"/>
-            <a:ext cx="548700" cy="393600"/>
+            <a:off x="8472458" y="6217622"/>
+            <a:ext cx="548700" cy="524700"/>
           </a:xfrm>
           <a:prstGeom prst="rect">
             <a:avLst/>
@@ -5774,8 +5873,8 @@
         </p:nvGrpSpPr>
         <p:grpSpPr>
           <a:xfrm>
-            <a:off x="0" y="381001"/>
-            <a:ext cx="1037850" cy="1016287"/>
+            <a:off x="0" y="507989"/>
+            <a:ext cx="1037850" cy="1355016"/>
             <a:chOff x="0" y="381001"/>
             <a:chExt cx="1037850" cy="1016287"/>
           </a:xfrm>
@@ -5881,8 +5980,8 @@
         </p:nvSpPr>
         <p:spPr>
           <a:xfrm>
-            <a:off x="1297500" y="393750"/>
-            <a:ext cx="7038900" cy="914100"/>
+            <a:off x="1297500" y="525000"/>
+            <a:ext cx="7038900" cy="1218900"/>
           </a:xfrm>
           <a:prstGeom prst="rect">
             <a:avLst/>
@@ -6004,8 +6103,8 @@
         </p:nvSpPr>
         <p:spPr>
           <a:xfrm>
-            <a:off x="1297500" y="1567550"/>
-            <a:ext cx="3403200" cy="2911200"/>
+            <a:off x="1297500" y="2090067"/>
+            <a:ext cx="3403200" cy="3881700"/>
           </a:xfrm>
           <a:prstGeom prst="rect">
             <a:avLst/>
@@ -6127,8 +6226,8 @@
         </p:nvSpPr>
         <p:spPr>
           <a:xfrm>
-            <a:off x="4933221" y="1567550"/>
-            <a:ext cx="3403200" cy="2911200"/>
+            <a:off x="4933221" y="2090067"/>
+            <a:ext cx="3403200" cy="3881700"/>
           </a:xfrm>
           <a:prstGeom prst="rect">
             <a:avLst/>
@@ -6250,8 +6349,8 @@
         </p:nvSpPr>
         <p:spPr>
           <a:xfrm>
-            <a:off x="8472458" y="4663217"/>
-            <a:ext cx="548700" cy="393600"/>
+            <a:off x="8472458" y="6217622"/>
+            <a:ext cx="548700" cy="524700"/>
           </a:xfrm>
           <a:prstGeom prst="rect">
             <a:avLst/>
@@ -6350,8 +6449,8 @@
         </p:nvGrpSpPr>
         <p:grpSpPr>
           <a:xfrm>
-            <a:off x="0" y="381001"/>
-            <a:ext cx="1037850" cy="1016287"/>
+            <a:off x="0" y="507989"/>
+            <a:ext cx="1037850" cy="1355016"/>
             <a:chOff x="0" y="381001"/>
             <a:chExt cx="1037850" cy="1016287"/>
           </a:xfrm>
@@ -6457,8 +6556,8 @@
         </p:nvSpPr>
         <p:spPr>
           <a:xfrm>
-            <a:off x="1297500" y="393750"/>
-            <a:ext cx="7038900" cy="914100"/>
+            <a:off x="1297500" y="525000"/>
+            <a:ext cx="7038900" cy="1218900"/>
           </a:xfrm>
           <a:prstGeom prst="rect">
             <a:avLst/>
@@ -6580,8 +6679,8 @@
         </p:nvSpPr>
         <p:spPr>
           <a:xfrm>
-            <a:off x="8472458" y="4663217"/>
-            <a:ext cx="548700" cy="393600"/>
+            <a:off x="8472458" y="6217622"/>
+            <a:ext cx="548700" cy="524700"/>
           </a:xfrm>
           <a:prstGeom prst="rect">
             <a:avLst/>
@@ -6680,8 +6779,8 @@
         </p:nvGrpSpPr>
         <p:grpSpPr>
           <a:xfrm>
-            <a:off x="0" y="381001"/>
-            <a:ext cx="1037850" cy="1016287"/>
+            <a:off x="0" y="507989"/>
+            <a:ext cx="1037850" cy="1355016"/>
             <a:chOff x="0" y="381001"/>
             <a:chExt cx="1037850" cy="1016287"/>
           </a:xfrm>
@@ -6787,8 +6886,8 @@
         </p:nvSpPr>
         <p:spPr>
           <a:xfrm>
-            <a:off x="1297500" y="393750"/>
-            <a:ext cx="3798900" cy="1493100"/>
+            <a:off x="1297500" y="525000"/>
+            <a:ext cx="3798900" cy="1990800"/>
           </a:xfrm>
           <a:prstGeom prst="rect">
             <a:avLst/>
@@ -6910,8 +7009,8 @@
         </p:nvSpPr>
         <p:spPr>
           <a:xfrm>
-            <a:off x="1297500" y="1972550"/>
-            <a:ext cx="3798900" cy="2415900"/>
+            <a:off x="1297500" y="2630067"/>
+            <a:ext cx="3798900" cy="3221100"/>
           </a:xfrm>
           <a:prstGeom prst="rect">
             <a:avLst/>
@@ -7033,8 +7132,8 @@
         </p:nvSpPr>
         <p:spPr>
           <a:xfrm>
-            <a:off x="8472458" y="4663217"/>
-            <a:ext cx="548700" cy="393600"/>
+            <a:off x="8472458" y="6217622"/>
+            <a:ext cx="548700" cy="524700"/>
           </a:xfrm>
           <a:prstGeom prst="rect">
             <a:avLst/>
@@ -7134,7 +7233,7 @@
         <p:grpSpPr>
           <a:xfrm>
             <a:off x="4406400" y="0"/>
-            <a:ext cx="4737600" cy="5143500"/>
+            <a:ext cx="4737600" cy="6857829"/>
             <a:chOff x="4406400" y="0"/>
             <a:chExt cx="4737600" cy="5143500"/>
           </a:xfrm>
@@ -7992,8 +8091,8 @@
         </p:nvSpPr>
         <p:spPr>
           <a:xfrm>
-            <a:off x="823850" y="866775"/>
-            <a:ext cx="4587000" cy="3521100"/>
+            <a:off x="823850" y="1155700"/>
+            <a:ext cx="4587000" cy="4694700"/>
           </a:xfrm>
           <a:prstGeom prst="rect">
             <a:avLst/>
@@ -8115,8 +8214,8 @@
         </p:nvSpPr>
         <p:spPr>
           <a:xfrm>
-            <a:off x="8472458" y="4663217"/>
-            <a:ext cx="548700" cy="393600"/>
+            <a:off x="8472458" y="6217622"/>
+            <a:ext cx="548700" cy="524700"/>
           </a:xfrm>
           <a:prstGeom prst="rect">
             <a:avLst/>
@@ -8215,8 +8314,8 @@
         </p:nvGrpSpPr>
         <p:grpSpPr>
           <a:xfrm>
-            <a:off x="0" y="381001"/>
-            <a:ext cx="1037850" cy="1016287"/>
+            <a:off x="0" y="507989"/>
+            <a:ext cx="1037850" cy="1355016"/>
             <a:chOff x="0" y="381001"/>
             <a:chExt cx="1037850" cy="1016287"/>
           </a:xfrm>
@@ -8322,8 +8421,8 @@
         </p:nvSpPr>
         <p:spPr>
           <a:xfrm>
-            <a:off x="1297500" y="1658325"/>
-            <a:ext cx="3036300" cy="1751700"/>
+            <a:off x="1297500" y="2211100"/>
+            <a:ext cx="3036300" cy="2335500"/>
           </a:xfrm>
           <a:prstGeom prst="rect">
             <a:avLst/>
@@ -8445,8 +8544,8 @@
         </p:nvSpPr>
         <p:spPr>
           <a:xfrm>
-            <a:off x="1297500" y="3538000"/>
-            <a:ext cx="3036300" cy="506100"/>
+            <a:off x="1297500" y="4717333"/>
+            <a:ext cx="3036300" cy="674700"/>
           </a:xfrm>
           <a:prstGeom prst="rect">
             <a:avLst/>
@@ -8595,8 +8694,8 @@
         </p:nvSpPr>
         <p:spPr>
           <a:xfrm>
-            <a:off x="4648200" y="1696600"/>
-            <a:ext cx="3676800" cy="2347500"/>
+            <a:off x="4648200" y="2262133"/>
+            <a:ext cx="3676800" cy="3129900"/>
           </a:xfrm>
           <a:prstGeom prst="rect">
             <a:avLst/>
@@ -8718,8 +8817,8 @@
         </p:nvSpPr>
         <p:spPr>
           <a:xfrm>
-            <a:off x="8472458" y="4663217"/>
-            <a:ext cx="548700" cy="393600"/>
+            <a:off x="8472458" y="6217622"/>
+            <a:ext cx="548700" cy="524700"/>
           </a:xfrm>
           <a:prstGeom prst="rect">
             <a:avLst/>
@@ -8818,8 +8917,8 @@
         </p:nvGrpSpPr>
         <p:grpSpPr>
           <a:xfrm>
-            <a:off x="0" y="4128572"/>
-            <a:ext cx="698925" cy="684657"/>
+            <a:off x="0" y="5504636"/>
+            <a:ext cx="698925" cy="912853"/>
             <a:chOff x="0" y="3785672"/>
             <a:chExt cx="698925" cy="684657"/>
           </a:xfrm>
@@ -8929,8 +9028,8 @@
         </p:nvSpPr>
         <p:spPr>
           <a:xfrm>
-            <a:off x="812725" y="4305375"/>
-            <a:ext cx="6936000" cy="523800"/>
+            <a:off x="812725" y="5740500"/>
+            <a:ext cx="6936000" cy="698400"/>
           </a:xfrm>
           <a:prstGeom prst="rect">
             <a:avLst/>
@@ -8967,8 +9066,8 @@
         </p:nvSpPr>
         <p:spPr>
           <a:xfrm>
-            <a:off x="8472458" y="4663217"/>
-            <a:ext cx="548700" cy="393600"/>
+            <a:off x="8472458" y="6217622"/>
+            <a:ext cx="548700" cy="524700"/>
           </a:xfrm>
           <a:prstGeom prst="rect">
             <a:avLst/>
@@ -9076,8 +9175,8 @@
         </p:nvSpPr>
         <p:spPr>
           <a:xfrm>
-            <a:off x="311700" y="445025"/>
-            <a:ext cx="8520600" cy="572700"/>
+            <a:off x="311700" y="593367"/>
+            <a:ext cx="8520600" cy="763500"/>
           </a:xfrm>
           <a:prstGeom prst="rect">
             <a:avLst/>
@@ -9311,8 +9410,8 @@
         </p:nvSpPr>
         <p:spPr>
           <a:xfrm>
-            <a:off x="311700" y="1152475"/>
-            <a:ext cx="8520600" cy="3416400"/>
+            <a:off x="311700" y="1536633"/>
+            <a:ext cx="8520600" cy="4555200"/>
           </a:xfrm>
           <a:prstGeom prst="rect">
             <a:avLst/>
@@ -9573,8 +9672,8 @@
         </p:nvSpPr>
         <p:spPr>
           <a:xfrm>
-            <a:off x="8472458" y="4663217"/>
-            <a:ext cx="548700" cy="393600"/>
+            <a:off x="8472458" y="6217622"/>
+            <a:ext cx="548700" cy="524700"/>
           </a:xfrm>
           <a:prstGeom prst="rect">
             <a:avLst/>
@@ -10452,8 +10551,8 @@
         </p:nvSpPr>
         <p:spPr>
           <a:xfrm>
-            <a:off x="3537150" y="1578400"/>
-            <a:ext cx="5017500" cy="1578900"/>
+            <a:off x="3537150" y="2104533"/>
+            <a:ext cx="5017500" cy="2105100"/>
           </a:xfrm>
           <a:prstGeom prst="rect">
             <a:avLst/>
@@ -10465,7 +10564,7 @@
           </a:bodyPr>
           <a:lstStyle/>
           <a:p>
-            <a:pPr indent="0" lvl="0" marL="0">
+            <a:pPr indent="0" lvl="0" marL="0" algn="ctr">
               <a:spcBef>
                 <a:spcPts val="0"/>
               </a:spcBef>
@@ -10475,13 +10574,13 @@
               <a:buNone/>
             </a:pPr>
             <a:r>
-              <a:rPr lang="pt-BR"/>
-              <a:t>Apresentação</a:t>
+              <a:rPr b="1" lang="pt-BR"/>
+              <a:t>APRESENTAÇÃO</a:t>
             </a:r>
-            <a:endParaRPr/>
+            <a:endParaRPr b="1"/>
           </a:p>
           <a:p>
-            <a:pPr indent="0" lvl="0" marL="0">
+            <a:pPr indent="0" lvl="0" marL="0" algn="ctr">
               <a:spcBef>
                 <a:spcPts val="0"/>
               </a:spcBef>
@@ -10491,10 +10590,14 @@
               <a:buNone/>
             </a:pPr>
             <a:r>
-              <a:rPr lang="pt-BR"/>
-              <a:t>Grupo 5</a:t>
+              <a:rPr b="1" lang="pt-BR"/>
+              <a:t>GRUPO</a:t>
             </a:r>
-            <a:endParaRPr/>
+            <a:r>
+              <a:rPr b="1" lang="pt-BR"/>
+              <a:t> 5</a:t>
+            </a:r>
+            <a:endParaRPr b="1"/>
           </a:p>
         </p:txBody>
       </p:sp>
@@ -10508,8 +10611,8 @@
         </p:nvSpPr>
         <p:spPr>
           <a:xfrm>
-            <a:off x="5083950" y="3924925"/>
-            <a:ext cx="3470700" cy="506100"/>
+            <a:off x="5083950" y="5233233"/>
+            <a:ext cx="3470700" cy="674700"/>
           </a:xfrm>
           <a:prstGeom prst="rect">
             <a:avLst/>
@@ -10572,8 +10675,8 @@
         </p:nvSpPr>
         <p:spPr>
           <a:xfrm>
-            <a:off x="1297500" y="393750"/>
-            <a:ext cx="7038900" cy="914100"/>
+            <a:off x="1297500" y="525000"/>
+            <a:ext cx="7038900" cy="1218900"/>
           </a:xfrm>
           <a:prstGeom prst="rect">
             <a:avLst/>
@@ -10612,8 +10715,8 @@
         </p:nvSpPr>
         <p:spPr>
           <a:xfrm>
-            <a:off x="1297500" y="1567550"/>
-            <a:ext cx="7038900" cy="2911200"/>
+            <a:off x="1297500" y="1867342"/>
+            <a:ext cx="7038900" cy="3881700"/>
           </a:xfrm>
           <a:prstGeom prst="rect">
             <a:avLst/>
@@ -10625,106 +10728,106 @@
           </a:bodyPr>
           <a:lstStyle/>
           <a:p>
-            <a:pPr indent="-311150" lvl="0" marL="457200" rtl="0">
-              <a:spcBef>
-                <a:spcPts val="0"/>
-              </a:spcBef>
-              <a:spcAft>
-                <a:spcPts val="0"/>
-              </a:spcAft>
-              <a:buSzPts val="1300"/>
+            <a:pPr indent="-342900" lvl="0" marL="457200" rtl="0">
+              <a:spcBef>
+                <a:spcPts val="0"/>
+              </a:spcBef>
+              <a:spcAft>
+                <a:spcPts val="0"/>
+              </a:spcAft>
+              <a:buSzPts val="1800"/>
               <a:buChar char="●"/>
             </a:pPr>
             <a:r>
-              <a:rPr lang="pt-BR"/>
+              <a:rPr lang="pt-BR" sz="1800"/>
               <a:t>Nessa fase o jogo será  criado de fato.</a:t>
             </a:r>
-            <a:endParaRPr/>
+            <a:endParaRPr sz="1800"/>
           </a:p>
           <a:p>
-            <a:pPr indent="-311150" lvl="0" marL="457200" rtl="0">
-              <a:spcBef>
-                <a:spcPts val="0"/>
-              </a:spcBef>
-              <a:spcAft>
-                <a:spcPts val="0"/>
-              </a:spcAft>
-              <a:buSzPts val="1300"/>
+            <a:pPr indent="-342900" lvl="0" marL="457200" rtl="0">
+              <a:spcBef>
+                <a:spcPts val="0"/>
+              </a:spcBef>
+              <a:spcAft>
+                <a:spcPts val="0"/>
+              </a:spcAft>
+              <a:buSzPts val="1800"/>
               <a:buChar char="●"/>
             </a:pPr>
             <a:r>
-              <a:rPr lang="pt-BR"/>
+              <a:rPr lang="pt-BR" sz="1800"/>
               <a:t>Utilização do RPG Maker para a construção do jogo.</a:t>
             </a:r>
-            <a:endParaRPr/>
+            <a:endParaRPr sz="1800"/>
           </a:p>
           <a:p>
-            <a:pPr indent="-311150" lvl="0" marL="457200" rtl="0">
-              <a:spcBef>
-                <a:spcPts val="0"/>
-              </a:spcBef>
-              <a:spcAft>
-                <a:spcPts val="0"/>
-              </a:spcAft>
-              <a:buSzPts val="1300"/>
+            <a:pPr indent="-342900" lvl="0" marL="457200" rtl="0">
+              <a:spcBef>
+                <a:spcPts val="0"/>
+              </a:spcBef>
+              <a:spcAft>
+                <a:spcPts val="0"/>
+              </a:spcAft>
+              <a:buSzPts val="1800"/>
               <a:buChar char="●"/>
             </a:pPr>
             <a:r>
-              <a:rPr lang="pt-BR"/>
+              <a:rPr lang="pt-BR" sz="1800"/>
               <a:t>Edição dos mapas, personagens, itens, habilidades.</a:t>
             </a:r>
-            <a:endParaRPr/>
+            <a:endParaRPr sz="1800"/>
           </a:p>
           <a:p>
-            <a:pPr indent="-311150" lvl="0" marL="457200" rtl="0">
-              <a:spcBef>
-                <a:spcPts val="0"/>
-              </a:spcBef>
-              <a:spcAft>
-                <a:spcPts val="0"/>
-              </a:spcAft>
-              <a:buSzPts val="1300"/>
+            <a:pPr indent="-342900" lvl="0" marL="457200" rtl="0">
+              <a:spcBef>
+                <a:spcPts val="0"/>
+              </a:spcBef>
+              <a:spcAft>
+                <a:spcPts val="0"/>
+              </a:spcAft>
+              <a:buSzPts val="1800"/>
               <a:buChar char="●"/>
             </a:pPr>
             <a:r>
-              <a:rPr lang="pt-BR"/>
+              <a:rPr lang="pt-BR" sz="1800"/>
               <a:t>Edição dos eventos(Falas, interações de personagens, interações com objetos, acontecimentos e história do jogo).</a:t>
             </a:r>
-            <a:endParaRPr/>
+            <a:endParaRPr sz="1800"/>
           </a:p>
           <a:p>
-            <a:pPr indent="-311150" lvl="0" marL="457200" rtl="0">
-              <a:spcBef>
-                <a:spcPts val="0"/>
-              </a:spcBef>
-              <a:spcAft>
-                <a:spcPts val="0"/>
-              </a:spcAft>
-              <a:buSzPts val="1300"/>
+            <a:pPr indent="-342900" lvl="0" marL="457200" rtl="0">
+              <a:spcBef>
+                <a:spcPts val="0"/>
+              </a:spcBef>
+              <a:spcAft>
+                <a:spcPts val="0"/>
+              </a:spcAft>
+              <a:buSzPts val="1800"/>
               <a:buChar char="●"/>
             </a:pPr>
             <a:r>
-              <a:rPr lang="pt-BR"/>
+              <a:rPr lang="pt-BR" sz="1800"/>
               <a:t>Nessa etapa será gerado o jogo, tanto o protótipo quanto o jogo completo.</a:t>
             </a:r>
-            <a:endParaRPr/>
+            <a:endParaRPr sz="1800"/>
           </a:p>
           <a:p>
-            <a:pPr indent="-311150" lvl="0" marL="457200">
-              <a:spcBef>
-                <a:spcPts val="0"/>
-              </a:spcBef>
-              <a:spcAft>
-                <a:spcPts val="0"/>
-              </a:spcAft>
-              <a:buSzPts val="1300"/>
+            <a:pPr indent="-342900" lvl="0" marL="457200">
+              <a:spcBef>
+                <a:spcPts val="0"/>
+              </a:spcBef>
+              <a:spcAft>
+                <a:spcPts val="0"/>
+              </a:spcAft>
+              <a:buSzPts val="1800"/>
               <a:buChar char="●"/>
             </a:pPr>
             <a:r>
-              <a:rPr lang="pt-BR"/>
+              <a:rPr lang="pt-BR" sz="1800"/>
               <a:t>Contará com a participação dos quatro membros do grupo,  utilização do RPG Maker para a geração do jogo e geração de documentos referentes a essa etapa(Word e GitHub).</a:t>
             </a:r>
-            <a:endParaRPr/>
+            <a:endParaRPr sz="1800"/>
           </a:p>
         </p:txBody>
       </p:sp>
@@ -10763,8 +10866,8 @@
         </p:nvSpPr>
         <p:spPr>
           <a:xfrm>
-            <a:off x="1297500" y="393750"/>
-            <a:ext cx="7038900" cy="914100"/>
+            <a:off x="1297500" y="525000"/>
+            <a:ext cx="7038900" cy="1218900"/>
           </a:xfrm>
           <a:prstGeom prst="rect">
             <a:avLst/>
@@ -10803,8 +10906,8 @@
         </p:nvSpPr>
         <p:spPr>
           <a:xfrm>
-            <a:off x="1297500" y="1567550"/>
-            <a:ext cx="7038900" cy="2911200"/>
+            <a:off x="1297500" y="2090067"/>
+            <a:ext cx="7038900" cy="3881700"/>
           </a:xfrm>
           <a:prstGeom prst="rect">
             <a:avLst/>
@@ -10816,72 +10919,72 @@
           </a:bodyPr>
           <a:lstStyle/>
           <a:p>
-            <a:pPr indent="-311150" lvl="0" marL="457200" rtl="0">
-              <a:spcBef>
-                <a:spcPts val="0"/>
-              </a:spcBef>
-              <a:spcAft>
-                <a:spcPts val="0"/>
-              </a:spcAft>
-              <a:buSzPts val="1300"/>
+            <a:pPr indent="-342900" lvl="0" marL="457200" rtl="0">
+              <a:spcBef>
+                <a:spcPts val="0"/>
+              </a:spcBef>
+              <a:spcAft>
+                <a:spcPts val="0"/>
+              </a:spcAft>
+              <a:buSzPts val="1800"/>
               <a:buChar char="●"/>
             </a:pPr>
             <a:r>
-              <a:rPr lang="pt-BR"/>
+              <a:rPr lang="pt-BR" sz="1800"/>
               <a:t>Nessa etapa será verificada o funcionamento de todas as ferramentas do jogo e tudo que foi proposto que ele deveria realizar.</a:t>
             </a:r>
-            <a:endParaRPr/>
+            <a:endParaRPr sz="1800"/>
           </a:p>
           <a:p>
-            <a:pPr indent="-311150" lvl="0" marL="457200" rtl="0">
-              <a:spcBef>
-                <a:spcPts val="0"/>
-              </a:spcBef>
-              <a:spcAft>
-                <a:spcPts val="0"/>
-              </a:spcAft>
-              <a:buSzPts val="1300"/>
+            <a:pPr indent="-342900" lvl="0" marL="457200" rtl="0">
+              <a:spcBef>
+                <a:spcPts val="0"/>
+              </a:spcBef>
+              <a:spcAft>
+                <a:spcPts val="0"/>
+              </a:spcAft>
+              <a:buSzPts val="1800"/>
               <a:buChar char="●"/>
             </a:pPr>
             <a:r>
-              <a:rPr lang="pt-BR"/>
+              <a:rPr lang="pt-BR" sz="1800"/>
               <a:t>Será utilizada a ferramenta de testes do próprio RPG Maker para a realização dos testes do sistema.</a:t>
             </a:r>
-            <a:endParaRPr/>
+            <a:endParaRPr sz="1800"/>
           </a:p>
           <a:p>
-            <a:pPr indent="-311150" lvl="0" marL="457200" rtl="0">
-              <a:spcBef>
-                <a:spcPts val="0"/>
-              </a:spcBef>
-              <a:spcAft>
-                <a:spcPts val="0"/>
-              </a:spcAft>
-              <a:buSzPts val="1300"/>
+            <a:pPr indent="-342900" lvl="0" marL="457200" rtl="0">
+              <a:spcBef>
+                <a:spcPts val="0"/>
+              </a:spcBef>
+              <a:spcAft>
+                <a:spcPts val="0"/>
+              </a:spcAft>
+              <a:buSzPts val="1800"/>
               <a:buChar char="●"/>
             </a:pPr>
             <a:r>
-              <a:rPr lang="pt-BR"/>
+              <a:rPr lang="pt-BR" sz="1800"/>
               <a:t>Nessa etapa serão geradas as versões do jogo com alguma correção feita.</a:t>
             </a:r>
-            <a:endParaRPr/>
+            <a:endParaRPr sz="1800"/>
           </a:p>
           <a:p>
-            <a:pPr indent="-311150" lvl="0" marL="457200">
-              <a:spcBef>
-                <a:spcPts val="0"/>
-              </a:spcBef>
-              <a:spcAft>
-                <a:spcPts val="0"/>
-              </a:spcAft>
-              <a:buSzPts val="1300"/>
+            <a:pPr indent="-342900" lvl="0" marL="457200">
+              <a:spcBef>
+                <a:spcPts val="0"/>
+              </a:spcBef>
+              <a:spcAft>
+                <a:spcPts val="0"/>
+              </a:spcAft>
+              <a:buSzPts val="1800"/>
               <a:buChar char="●"/>
             </a:pPr>
             <a:r>
-              <a:rPr lang="pt-BR"/>
+              <a:rPr lang="pt-BR" sz="1800"/>
               <a:t>Contará com a participação dos quatro membros do grupo,  utilização do RPG Maker para a realização dos testes do sistema.</a:t>
             </a:r>
-            <a:endParaRPr/>
+            <a:endParaRPr sz="1800"/>
           </a:p>
         </p:txBody>
       </p:sp>
@@ -10920,8 +11023,8 @@
         </p:nvSpPr>
         <p:spPr>
           <a:xfrm>
-            <a:off x="1297500" y="393750"/>
-            <a:ext cx="7038900" cy="914100"/>
+            <a:off x="1297500" y="525000"/>
+            <a:ext cx="7038900" cy="1218900"/>
           </a:xfrm>
           <a:prstGeom prst="rect">
             <a:avLst/>
@@ -10960,8 +11063,8 @@
         </p:nvSpPr>
         <p:spPr>
           <a:xfrm>
-            <a:off x="1297500" y="1567550"/>
-            <a:ext cx="7038900" cy="2911200"/>
+            <a:off x="1297500" y="2090067"/>
+            <a:ext cx="7038900" cy="3881700"/>
           </a:xfrm>
           <a:prstGeom prst="rect">
             <a:avLst/>
@@ -10973,79 +11076,79 @@
           </a:bodyPr>
           <a:lstStyle/>
           <a:p>
-            <a:pPr indent="-311150" lvl="0" marL="457200" rtl="0">
-              <a:spcBef>
-                <a:spcPts val="0"/>
-              </a:spcBef>
-              <a:spcAft>
-                <a:spcPts val="0"/>
-              </a:spcAft>
-              <a:buSzPts val="1300"/>
+            <a:pPr indent="-342900" lvl="0" marL="457200" rtl="0">
+              <a:spcBef>
+                <a:spcPts val="0"/>
+              </a:spcBef>
+              <a:spcAft>
+                <a:spcPts val="0"/>
+              </a:spcAft>
+              <a:buSzPts val="1800"/>
               <a:buChar char="●"/>
             </a:pPr>
             <a:r>
-              <a:rPr lang="pt-BR"/>
+              <a:rPr lang="pt-BR" sz="1800"/>
               <a:t>Nessa etapa o jogo receberá melhorias e otimização, como também reparo de defeitos.</a:t>
             </a:r>
             <a:br>
-              <a:rPr lang="pt-BR"/>
+              <a:rPr lang="pt-BR" sz="1800"/>
             </a:br>
             <a:r>
-              <a:rPr lang="pt-BR"/>
+              <a:rPr lang="pt-BR" sz="1800"/>
               <a:t>Esta fase envolverá:</a:t>
             </a:r>
-            <a:endParaRPr/>
+            <a:endParaRPr sz="1800"/>
           </a:p>
           <a:p>
-            <a:pPr indent="-298450" lvl="1" marL="914400" rtl="0">
+            <a:pPr indent="-342900" lvl="1" marL="914400" rtl="0">
               <a:spcBef>
                 <a:spcPts val="1600"/>
               </a:spcBef>
               <a:spcAft>
                 <a:spcPts val="0"/>
               </a:spcAft>
-              <a:buSzPts val="1100"/>
+              <a:buSzPts val="1800"/>
               <a:buChar char="○"/>
             </a:pPr>
             <a:r>
-              <a:rPr lang="pt-BR"/>
+              <a:rPr lang="pt-BR" sz="1800"/>
               <a:t>Mudanças para corrigir defeitos e deficiências que foram encontradas durante a utilização pelo usuário.</a:t>
             </a:r>
-            <a:endParaRPr/>
+            <a:endParaRPr sz="1800"/>
           </a:p>
           <a:p>
-            <a:pPr indent="-298450" lvl="1" marL="914400" rtl="0">
-              <a:spcBef>
-                <a:spcPts val="0"/>
-              </a:spcBef>
-              <a:spcAft>
-                <a:spcPts val="0"/>
-              </a:spcAft>
-              <a:buSzPts val="1100"/>
+            <a:pPr indent="-342900" lvl="1" marL="914400" rtl="0">
+              <a:spcBef>
+                <a:spcPts val="0"/>
+              </a:spcBef>
+              <a:spcAft>
+                <a:spcPts val="0"/>
+              </a:spcAft>
+              <a:buSzPts val="1800"/>
               <a:buChar char="○"/>
             </a:pPr>
             <a:r>
-              <a:rPr lang="pt-BR"/>
+              <a:rPr lang="pt-BR" sz="1800"/>
               <a:t>Novas funcionalidades para melhorar a aplicabilidade e usabilidade do software.</a:t>
             </a:r>
-            <a:endParaRPr/>
+            <a:endParaRPr sz="1800"/>
           </a:p>
           <a:p>
-            <a:pPr indent="-311150" lvl="0" marL="457200" rtl="0">
+            <a:pPr indent="-342900" lvl="0" marL="457200" rtl="0">
               <a:spcBef>
                 <a:spcPts val="1600"/>
               </a:spcBef>
               <a:spcAft>
                 <a:spcPts val="1600"/>
               </a:spcAft>
-              <a:buSzPts val="1300"/>
+              <a:buSzPts val="1800"/>
               <a:buChar char="●"/>
             </a:pPr>
             <a:r>
-              <a:rPr lang="pt-BR"/>
+              <a:rPr lang="pt-BR" sz="1800"/>
               <a:t>Contará com a participação dos quatro membros do grupo,  utilização do RPG Maker para a realização de manutenção do sistema.</a:t>
             </a:r>
-            <a:endParaRPr/>
+            <a:endParaRPr sz="1800"/>
           </a:p>
         </p:txBody>
       </p:sp>
@@ -11084,8 +11187,8 @@
         </p:nvSpPr>
         <p:spPr>
           <a:xfrm>
-            <a:off x="1297500" y="393750"/>
-            <a:ext cx="7038900" cy="914100"/>
+            <a:off x="1297500" y="525000"/>
+            <a:ext cx="7038900" cy="1218900"/>
           </a:xfrm>
           <a:prstGeom prst="rect">
             <a:avLst/>
@@ -11124,8 +11227,8 @@
         </p:nvSpPr>
         <p:spPr>
           <a:xfrm>
-            <a:off x="1297500" y="1567550"/>
-            <a:ext cx="7038900" cy="2911200"/>
+            <a:off x="1297500" y="2090067"/>
+            <a:ext cx="7038900" cy="3881700"/>
           </a:xfrm>
           <a:prstGeom prst="rect">
             <a:avLst/>
@@ -11169,7 +11272,7 @@
         </p:blipFill>
         <p:spPr>
           <a:xfrm>
-            <a:off x="672650" y="1100925"/>
+            <a:off x="672650" y="1467900"/>
             <a:ext cx="7663749" cy="3844450"/>
           </a:xfrm>
           <a:prstGeom prst="rect">
@@ -11216,8 +11319,8 @@
         </p:nvSpPr>
         <p:spPr>
           <a:xfrm>
-            <a:off x="1297500" y="393750"/>
-            <a:ext cx="7038900" cy="914100"/>
+            <a:off x="1297500" y="525000"/>
+            <a:ext cx="7038900" cy="1218900"/>
           </a:xfrm>
           <a:prstGeom prst="rect">
             <a:avLst/>
@@ -11271,8 +11374,8 @@
         </p:nvSpPr>
         <p:spPr>
           <a:xfrm>
-            <a:off x="1297500" y="1567550"/>
-            <a:ext cx="7038900" cy="2911200"/>
+            <a:off x="1297500" y="2090067"/>
+            <a:ext cx="7038900" cy="3881700"/>
           </a:xfrm>
           <a:prstGeom prst="rect">
             <a:avLst/>
@@ -11284,131 +11387,131 @@
           </a:bodyPr>
           <a:lstStyle/>
           <a:p>
-            <a:pPr indent="-311150" lvl="0" marL="457200" rtl="0">
-              <a:spcBef>
-                <a:spcPts val="0"/>
-              </a:spcBef>
-              <a:spcAft>
-                <a:spcPts val="0"/>
-              </a:spcAft>
-              <a:buSzPts val="1300"/>
+            <a:pPr indent="-342900" lvl="0" marL="457200" rtl="0">
+              <a:spcBef>
+                <a:spcPts val="0"/>
+              </a:spcBef>
+              <a:spcAft>
+                <a:spcPts val="0"/>
+              </a:spcAft>
+              <a:buSzPts val="1800"/>
               <a:buChar char="●"/>
             </a:pPr>
             <a:r>
-              <a:rPr lang="pt-BR"/>
+              <a:rPr lang="pt-BR" sz="1800"/>
               <a:t>Métrica é uma medida quantitativa usada para determinar o tamanho de algo.</a:t>
             </a:r>
-            <a:endParaRPr/>
+            <a:endParaRPr sz="1800"/>
           </a:p>
           <a:p>
-            <a:pPr indent="-311150" lvl="0" marL="457200" rtl="0">
-              <a:spcBef>
-                <a:spcPts val="0"/>
-              </a:spcBef>
-              <a:spcAft>
-                <a:spcPts val="0"/>
-              </a:spcAft>
-              <a:buSzPts val="1300"/>
+            <a:pPr indent="-342900" lvl="0" marL="457200" rtl="0">
+              <a:spcBef>
+                <a:spcPts val="0"/>
+              </a:spcBef>
+              <a:spcAft>
+                <a:spcPts val="0"/>
+              </a:spcAft>
+              <a:buSzPts val="1800"/>
               <a:buChar char="●"/>
             </a:pPr>
             <a:r>
-              <a:rPr lang="pt-BR"/>
+              <a:rPr lang="pt-BR" sz="1800"/>
               <a:t>As métricas se dividem em dois tipos, as diretas e as indiretas.</a:t>
             </a:r>
-            <a:endParaRPr/>
+            <a:endParaRPr sz="1800"/>
           </a:p>
           <a:p>
-            <a:pPr indent="-311150" lvl="0" marL="457200" rtl="0">
-              <a:spcBef>
-                <a:spcPts val="0"/>
-              </a:spcBef>
-              <a:spcAft>
-                <a:spcPts val="0"/>
-              </a:spcAft>
-              <a:buSzPts val="1300"/>
+            <a:pPr indent="-342900" lvl="0" marL="457200" rtl="0">
+              <a:spcBef>
+                <a:spcPts val="0"/>
+              </a:spcBef>
+              <a:spcAft>
+                <a:spcPts val="0"/>
+              </a:spcAft>
+              <a:buSzPts val="1800"/>
               <a:buChar char="●"/>
             </a:pPr>
             <a:r>
-              <a:rPr lang="pt-BR"/>
+              <a:rPr lang="pt-BR" sz="1800"/>
               <a:t>As métricas diretas não dependem da medição de nenhum outro atributo.</a:t>
             </a:r>
-            <a:endParaRPr/>
+            <a:endParaRPr sz="1800"/>
           </a:p>
           <a:p>
-            <a:pPr indent="-311150" lvl="0" marL="457200" rtl="0">
-              <a:spcBef>
-                <a:spcPts val="0"/>
-              </a:spcBef>
-              <a:spcAft>
-                <a:spcPts val="0"/>
-              </a:spcAft>
-              <a:buSzPts val="1300"/>
+            <a:pPr indent="-342900" lvl="0" marL="457200" rtl="0">
+              <a:spcBef>
+                <a:spcPts val="0"/>
+              </a:spcBef>
+              <a:spcAft>
+                <a:spcPts val="0"/>
+              </a:spcAft>
+              <a:buSzPts val="1800"/>
               <a:buChar char="●"/>
             </a:pPr>
             <a:r>
-              <a:rPr lang="pt-BR"/>
+              <a:rPr lang="pt-BR" sz="1800"/>
               <a:t>As métricas indiretas usam combinações de outras métricas.</a:t>
             </a:r>
-            <a:endParaRPr/>
+            <a:endParaRPr sz="1800"/>
           </a:p>
           <a:p>
-            <a:pPr indent="-311150" lvl="0" marL="457200" rtl="0">
-              <a:spcBef>
-                <a:spcPts val="0"/>
-              </a:spcBef>
-              <a:spcAft>
-                <a:spcPts val="0"/>
-              </a:spcAft>
-              <a:buSzPts val="1300"/>
+            <a:pPr indent="-342900" lvl="0" marL="457200" rtl="0">
+              <a:spcBef>
+                <a:spcPts val="0"/>
+              </a:spcBef>
+              <a:spcAft>
+                <a:spcPts val="0"/>
+              </a:spcAft>
+              <a:buSzPts val="1800"/>
               <a:buChar char="●"/>
             </a:pPr>
             <a:r>
-              <a:rPr lang="pt-BR"/>
+              <a:rPr lang="pt-BR" sz="1800"/>
               <a:t>A principal função das métricas de software é no </a:t>
             </a:r>
             <a:r>
-              <a:rPr lang="pt-BR"/>
+              <a:rPr lang="pt-BR" sz="1800"/>
               <a:t>auxílio do planejamento necessário para a execução do projeto.</a:t>
             </a:r>
-            <a:endParaRPr/>
+            <a:endParaRPr sz="1800"/>
           </a:p>
           <a:p>
-            <a:pPr indent="-311150" lvl="0" marL="457200" rtl="0">
-              <a:spcBef>
-                <a:spcPts val="0"/>
-              </a:spcBef>
-              <a:spcAft>
-                <a:spcPts val="0"/>
-              </a:spcAft>
-              <a:buSzPts val="1300"/>
+            <a:pPr indent="-342900" lvl="0" marL="457200" rtl="0">
+              <a:spcBef>
+                <a:spcPts val="0"/>
+              </a:spcBef>
+              <a:spcAft>
+                <a:spcPts val="0"/>
+              </a:spcAft>
+              <a:buSzPts val="1800"/>
               <a:buChar char="●"/>
             </a:pPr>
             <a:r>
-              <a:rPr lang="pt-BR"/>
+              <a:rPr lang="pt-BR" sz="1800"/>
               <a:t>Aumentar a exatidão sobre levantamento de custos/prazos, reduzir os defeitos do produto e reduzir os custos e prazos do projeto</a:t>
             </a:r>
             <a:r>
-              <a:rPr lang="pt-BR"/>
+              <a:rPr lang="pt-BR" sz="1800"/>
               <a:t>  são algumas das vantagens da utilização das métricas.</a:t>
             </a:r>
-            <a:endParaRPr/>
+            <a:endParaRPr sz="1800"/>
           </a:p>
           <a:p>
-            <a:pPr indent="-311150" lvl="0" marL="457200">
-              <a:spcBef>
-                <a:spcPts val="0"/>
-              </a:spcBef>
-              <a:spcAft>
-                <a:spcPts val="0"/>
-              </a:spcAft>
-              <a:buSzPts val="1300"/>
+            <a:pPr indent="-342900" lvl="0" marL="457200">
+              <a:spcBef>
+                <a:spcPts val="0"/>
+              </a:spcBef>
+              <a:spcAft>
+                <a:spcPts val="0"/>
+              </a:spcAft>
+              <a:buSzPts val="1800"/>
               <a:buChar char="●"/>
             </a:pPr>
             <a:r>
-              <a:rPr lang="pt-BR"/>
+              <a:rPr lang="pt-BR" sz="1800"/>
               <a:t>Usaremos a métrica de análise de pontos por função (APF).</a:t>
             </a:r>
-            <a:endParaRPr/>
+            <a:endParaRPr sz="1800"/>
           </a:p>
         </p:txBody>
       </p:sp>
@@ -11447,8 +11550,8 @@
         </p:nvSpPr>
         <p:spPr>
           <a:xfrm>
-            <a:off x="1297500" y="393750"/>
-            <a:ext cx="7038900" cy="914100"/>
+            <a:off x="1297500" y="525000"/>
+            <a:ext cx="7038900" cy="1218900"/>
           </a:xfrm>
           <a:prstGeom prst="rect">
             <a:avLst/>
@@ -11487,8 +11590,8 @@
         </p:nvSpPr>
         <p:spPr>
           <a:xfrm>
-            <a:off x="1297500" y="1567550"/>
-            <a:ext cx="7038900" cy="2911200"/>
+            <a:off x="1297500" y="2090067"/>
+            <a:ext cx="7038900" cy="3881700"/>
           </a:xfrm>
           <a:prstGeom prst="rect">
             <a:avLst/>
@@ -11500,7 +11603,41 @@
           </a:bodyPr>
           <a:lstStyle/>
           <a:p>
-            <a:pPr indent="-311150" lvl="0" marL="457200" rtl="0">
+            <a:pPr indent="-342900" lvl="0" marL="457200" rtl="0">
+              <a:spcBef>
+                <a:spcPts val="0"/>
+              </a:spcBef>
+              <a:spcAft>
+                <a:spcPts val="0"/>
+              </a:spcAft>
+              <a:buSzPts val="1800"/>
+              <a:buChar char="●"/>
+            </a:pPr>
+            <a:r>
+              <a:rPr lang="pt-BR" sz="1800"/>
+              <a:t>A métrica objetiva mensurar o software quantificando as tarefas e serviços oferecidos ao usuário, com base em seu projeto lógico.</a:t>
+            </a:r>
+            <a:endParaRPr sz="1800"/>
+          </a:p>
+          <a:p>
+            <a:pPr indent="-342900" lvl="0" marL="457200" rtl="0">
+              <a:spcBef>
+                <a:spcPts val="0"/>
+              </a:spcBef>
+              <a:spcAft>
+                <a:spcPts val="0"/>
+              </a:spcAft>
+              <a:buSzPts val="1800"/>
+              <a:buChar char="●"/>
+            </a:pPr>
+            <a:r>
+              <a:rPr lang="pt-BR" sz="1800"/>
+              <a:t>A unidade de medida resultante do método de APF é o Ponto de Função.</a:t>
+            </a:r>
+            <a:endParaRPr sz="1800"/>
+          </a:p>
+          <a:p>
+            <a:pPr indent="-311150" lvl="0" marL="457200">
               <a:spcBef>
                 <a:spcPts val="0"/>
               </a:spcBef>
@@ -11511,42 +11648,12 @@
               <a:buChar char="●"/>
             </a:pPr>
             <a:r>
-              <a:rPr lang="pt-BR"/>
-              <a:t>A métrica objetiva mensurar o software quantificando as tarefas e serviços oferecidos ao usuário, com base em seu projeto lógico.</a:t>
+              <a:rPr lang="pt-BR" sz="1800"/>
+              <a:t>Como insumo para este método podem ser utilizados diversos artefatos, como, documento de especificação de requisitos, protótipos de tela, modelo conceitual, modelo de classes, modelagem de dados, entre outros, desde que, tomando o devido cuidado para levar sempre em consideração a visão do usuário</a:t>
             </a:r>
-            <a:endParaRPr/>
-          </a:p>
-          <a:p>
-            <a:pPr indent="-311150" lvl="0" marL="457200" rtl="0">
-              <a:spcBef>
-                <a:spcPts val="0"/>
-              </a:spcBef>
-              <a:spcAft>
-                <a:spcPts val="0"/>
-              </a:spcAft>
-              <a:buSzPts val="1300"/>
-              <a:buChar char="●"/>
-            </a:pPr>
             <a:r>
               <a:rPr lang="pt-BR"/>
-              <a:t>A unidade de medida resultante do método de APF é o Ponto de Função.</a:t>
-            </a:r>
-            <a:endParaRPr/>
-          </a:p>
-          <a:p>
-            <a:pPr indent="-311150" lvl="0" marL="457200">
-              <a:spcBef>
-                <a:spcPts val="0"/>
-              </a:spcBef>
-              <a:spcAft>
-                <a:spcPts val="0"/>
-              </a:spcAft>
-              <a:buSzPts val="1300"/>
-              <a:buChar char="●"/>
-            </a:pPr>
-            <a:r>
-              <a:rPr lang="pt-BR"/>
-              <a:t>Como insumo para este método podem ser utilizados diversos artefatos, como, documento de especificação de requisitos, protótipos de tela, modelo conceitual, modelo de classes, modelagem de dados, entre outros, desde que, tomando o devido cuidado para levar sempre em consideração a visão do usuário.</a:t>
+              <a:t>.</a:t>
             </a:r>
             <a:endParaRPr/>
           </a:p>
@@ -11587,8 +11694,8 @@
         </p:nvSpPr>
         <p:spPr>
           <a:xfrm>
-            <a:off x="1297500" y="393750"/>
-            <a:ext cx="7038900" cy="914100"/>
+            <a:off x="1297500" y="525000"/>
+            <a:ext cx="7038900" cy="1218900"/>
           </a:xfrm>
           <a:prstGeom prst="rect">
             <a:avLst/>
@@ -11627,8 +11734,8 @@
         </p:nvSpPr>
         <p:spPr>
           <a:xfrm>
-            <a:off x="1297500" y="1567550"/>
-            <a:ext cx="7038900" cy="2911200"/>
+            <a:off x="1297500" y="2090067"/>
+            <a:ext cx="7038900" cy="3881700"/>
           </a:xfrm>
           <a:prstGeom prst="rect">
             <a:avLst/>
@@ -11640,55 +11747,55 @@
           </a:bodyPr>
           <a:lstStyle/>
           <a:p>
-            <a:pPr indent="-311150" lvl="0" marL="457200" rtl="0">
-              <a:spcBef>
-                <a:spcPts val="0"/>
-              </a:spcBef>
-              <a:spcAft>
-                <a:spcPts val="0"/>
-              </a:spcAft>
-              <a:buSzPts val="1300"/>
+            <a:pPr indent="-342900" lvl="0" marL="457200" rtl="0">
+              <a:spcBef>
+                <a:spcPts val="0"/>
+              </a:spcBef>
+              <a:spcAft>
+                <a:spcPts val="0"/>
+              </a:spcAft>
+              <a:buSzPts val="1800"/>
               <a:buChar char="●"/>
             </a:pPr>
             <a:r>
-              <a:rPr lang="pt-BR"/>
+              <a:rPr lang="pt-BR" sz="1800"/>
               <a:t>Método muito simples de ser aplicado;</a:t>
             </a:r>
-            <a:endParaRPr/>
+            <a:endParaRPr sz="1800"/>
           </a:p>
           <a:p>
-            <a:pPr indent="-311150" lvl="0" marL="457200" rtl="0">
-              <a:spcBef>
-                <a:spcPts val="0"/>
-              </a:spcBef>
-              <a:spcAft>
-                <a:spcPts val="0"/>
-              </a:spcAft>
-              <a:buSzPts val="1300"/>
+            <a:pPr indent="-342900" lvl="0" marL="457200" rtl="0">
+              <a:spcBef>
+                <a:spcPts val="0"/>
+              </a:spcBef>
+              <a:spcAft>
+                <a:spcPts val="0"/>
+              </a:spcAft>
+              <a:buSzPts val="1800"/>
               <a:buChar char="●"/>
             </a:pPr>
             <a:r>
-              <a:rPr lang="pt-BR"/>
+              <a:rPr lang="pt-BR" sz="1800"/>
               <a:t>Medida consistente entre diversos projetos e organizações;</a:t>
             </a:r>
-            <a:endParaRPr/>
+            <a:endParaRPr sz="1800"/>
           </a:p>
           <a:p>
-            <a:pPr indent="-311150" lvl="0" marL="457200" rtl="0">
-              <a:spcBef>
-                <a:spcPts val="0"/>
-              </a:spcBef>
-              <a:spcAft>
-                <a:spcPts val="0"/>
-              </a:spcAft>
-              <a:buSzPts val="1300"/>
+            <a:pPr indent="-342900" lvl="0" marL="457200" rtl="0">
+              <a:spcBef>
+                <a:spcPts val="0"/>
+              </a:spcBef>
+              <a:spcAft>
+                <a:spcPts val="0"/>
+              </a:spcAft>
+              <a:buSzPts val="1800"/>
               <a:buChar char="●"/>
             </a:pPr>
             <a:r>
-              <a:rPr lang="pt-BR"/>
+              <a:rPr lang="pt-BR" sz="1800"/>
               <a:t>Possui um manual de práticas de contagem, que promove a interpretação consistente da medição funcional de software , estando em conformidade com a ISO/IEC 14143-1:2007.</a:t>
             </a:r>
-            <a:endParaRPr/>
+            <a:endParaRPr sz="1800"/>
           </a:p>
           <a:p>
             <a:pPr indent="0" lvl="0" marL="0" rtl="0">
@@ -11704,6 +11811,144 @@
               <a:t/>
             </a:r>
             <a:endParaRPr/>
+          </a:p>
+        </p:txBody>
+      </p:sp>
+    </p:spTree>
+  </p:cSld>
+  <p:clrMapOvr>
+    <a:masterClrMapping/>
+  </p:clrMapOvr>
+</p:sld>
+</file>
+
+<file path=ppt/slides/slide17.xml><?xml version="1.0" encoding="utf-8"?>
+<p:sld xmlns:a="http://schemas.openxmlformats.org/drawingml/2006/main" xmlns:r="http://schemas.openxmlformats.org/officeDocument/2006/relationships" xmlns:mc="http://schemas.openxmlformats.org/markup-compatibility/2006" xmlns:mv="urn:schemas-microsoft-com:mac:vml" xmlns:p="http://schemas.openxmlformats.org/presentationml/2006/main" xmlns:c="http://schemas.openxmlformats.org/drawingml/2006/chart" xmlns:dgm="http://schemas.openxmlformats.org/drawingml/2006/diagram" xmlns:o="urn:schemas-microsoft-com:office:office" xmlns:v="urn:schemas-microsoft-com:vml" xmlns:pvml="urn:schemas-microsoft-com:office:powerpoint" xmlns:com="http://schemas.openxmlformats.org/drawingml/2006/compatibility" xmlns:p14="http://schemas.microsoft.com/office/powerpoint/2010/main" xmlns:p15="http://schemas.microsoft.com/office/powerpoint/2012/main">
+  <p:cSld>
+    <p:spTree>
+      <p:nvGrpSpPr>
+        <p:cNvPr id="231" name="Shape 231"/>
+        <p:cNvGrpSpPr/>
+        <p:nvPr/>
+      </p:nvGrpSpPr>
+      <p:grpSpPr>
+        <a:xfrm>
+          <a:off x="0" y="0"/>
+          <a:ext cx="0" cy="0"/>
+          <a:chOff x="0" y="0"/>
+          <a:chExt cx="0" cy="0"/>
+        </a:xfrm>
+      </p:grpSpPr>
+      <p:sp>
+        <p:nvSpPr>
+          <p:cNvPr id="232" name="Shape 232"/>
+          <p:cNvSpPr txBox="1"/>
+          <p:nvPr>
+            <p:ph type="title"/>
+          </p:nvPr>
+        </p:nvSpPr>
+        <p:spPr>
+          <a:xfrm>
+            <a:off x="1297500" y="525000"/>
+            <a:ext cx="7038900" cy="1218900"/>
+          </a:xfrm>
+          <a:prstGeom prst="rect">
+            <a:avLst/>
+          </a:prstGeom>
+        </p:spPr>
+        <p:txBody>
+          <a:bodyPr anchorCtr="0" anchor="t" bIns="91425" lIns="91425" spcFirstLastPara="1" rIns="91425" wrap="square" tIns="91425">
+            <a:noAutofit/>
+          </a:bodyPr>
+          <a:lstStyle/>
+          <a:p>
+            <a:pPr indent="0" lvl="0" marL="0">
+              <a:spcBef>
+                <a:spcPts val="0"/>
+              </a:spcBef>
+              <a:spcAft>
+                <a:spcPts val="0"/>
+              </a:spcAft>
+              <a:buNone/>
+            </a:pPr>
+            <a:r>
+              <a:rPr lang="pt-BR"/>
+              <a:t>Aplicando APF</a:t>
+            </a:r>
+            <a:endParaRPr/>
+          </a:p>
+        </p:txBody>
+      </p:sp>
+      <p:sp>
+        <p:nvSpPr>
+          <p:cNvPr id="233" name="Shape 233"/>
+          <p:cNvSpPr txBox="1"/>
+          <p:nvPr>
+            <p:ph idx="1" type="body"/>
+          </p:nvPr>
+        </p:nvSpPr>
+        <p:spPr>
+          <a:xfrm>
+            <a:off x="1297500" y="2090067"/>
+            <a:ext cx="7038900" cy="3881700"/>
+          </a:xfrm>
+          <a:prstGeom prst="rect">
+            <a:avLst/>
+          </a:prstGeom>
+        </p:spPr>
+        <p:txBody>
+          <a:bodyPr anchorCtr="0" anchor="t" bIns="91425" lIns="91425" spcFirstLastPara="1" rIns="91425" wrap="square" tIns="91425">
+            <a:noAutofit/>
+          </a:bodyPr>
+          <a:lstStyle/>
+          <a:p>
+            <a:pPr indent="-342900" lvl="0" marL="457200" rtl="0">
+              <a:spcBef>
+                <a:spcPts val="0"/>
+              </a:spcBef>
+              <a:spcAft>
+                <a:spcPts val="0"/>
+              </a:spcAft>
+              <a:buSzPts val="1800"/>
+              <a:buChar char="●"/>
+            </a:pPr>
+            <a:r>
+              <a:rPr lang="pt-BR" sz="1800"/>
+              <a:t>Iremos mensurar o jogo quantificando as tarefas e serviços oferecidos ao usuário.</a:t>
+            </a:r>
+            <a:endParaRPr sz="1800"/>
+          </a:p>
+          <a:p>
+            <a:pPr indent="-342900" lvl="0" marL="457200" rtl="0">
+              <a:spcBef>
+                <a:spcPts val="0"/>
+              </a:spcBef>
+              <a:spcAft>
+                <a:spcPts val="0"/>
+              </a:spcAft>
+              <a:buSzPts val="1800"/>
+              <a:buChar char="●"/>
+            </a:pPr>
+            <a:r>
+              <a:rPr lang="pt-BR" sz="1800"/>
+              <a:t>Levando em consideração que nosso jogo tem como objetivo a diversão somada ao ensino de engenharia de software, vamos quantificar questões como número de projetos assumidos pelo usuário no jogo, custo em tempo do usuário no jogo, número de questões relacionadas a engenharia de software respondidas, entre outras.</a:t>
+            </a:r>
+            <a:endParaRPr sz="1800"/>
+          </a:p>
+          <a:p>
+            <a:pPr indent="0" lvl="0" marL="0">
+              <a:spcBef>
+                <a:spcPts val="1600"/>
+              </a:spcBef>
+              <a:spcAft>
+                <a:spcPts val="1600"/>
+              </a:spcAft>
+              <a:buNone/>
+            </a:pPr>
+            <a:r>
+              <a:t/>
+            </a:r>
+            <a:endParaRPr sz="1800"/>
           </a:p>
         </p:txBody>
       </p:sp>
@@ -11742,8 +11987,8 @@
         </p:nvSpPr>
         <p:spPr>
           <a:xfrm>
-            <a:off x="1297500" y="393750"/>
-            <a:ext cx="7038900" cy="914100"/>
+            <a:off x="1297500" y="525000"/>
+            <a:ext cx="7038900" cy="1218900"/>
           </a:xfrm>
           <a:prstGeom prst="rect">
             <a:avLst/>
@@ -11766,7 +12011,7 @@
             </a:pPr>
             <a:r>
               <a:rPr lang="pt-BR"/>
-              <a:t>Integrantes</a:t>
+              <a:t>Integrantes:</a:t>
             </a:r>
             <a:endParaRPr/>
           </a:p>
@@ -11782,8 +12027,8 @@
         </p:nvSpPr>
         <p:spPr>
           <a:xfrm>
-            <a:off x="1297500" y="1567550"/>
-            <a:ext cx="7038900" cy="2911200"/>
+            <a:off x="1297500" y="2090067"/>
+            <a:ext cx="7038900" cy="3881700"/>
           </a:xfrm>
           <a:prstGeom prst="rect">
             <a:avLst/>
@@ -11795,72 +12040,72 @@
           </a:bodyPr>
           <a:lstStyle/>
           <a:p>
-            <a:pPr indent="-311150" lvl="0" marL="457200" rtl="0">
-              <a:spcBef>
-                <a:spcPts val="0"/>
-              </a:spcBef>
-              <a:spcAft>
-                <a:spcPts val="0"/>
-              </a:spcAft>
-              <a:buSzPts val="1300"/>
+            <a:pPr indent="-342900" lvl="0" marL="457200" rtl="0">
+              <a:spcBef>
+                <a:spcPts val="0"/>
+              </a:spcBef>
+              <a:spcAft>
+                <a:spcPts val="0"/>
+              </a:spcAft>
+              <a:buSzPts val="1800"/>
               <a:buChar char="●"/>
             </a:pPr>
             <a:r>
-              <a:rPr lang="pt-BR"/>
+              <a:rPr lang="pt-BR" sz="1800"/>
               <a:t>Aloizio Júnior</a:t>
             </a:r>
-            <a:endParaRPr/>
+            <a:endParaRPr sz="1800"/>
           </a:p>
           <a:p>
-            <a:pPr indent="-311150" lvl="0" marL="457200" rtl="0">
-              <a:spcBef>
-                <a:spcPts val="0"/>
-              </a:spcBef>
-              <a:spcAft>
-                <a:spcPts val="0"/>
-              </a:spcAft>
-              <a:buSzPts val="1300"/>
+            <a:pPr indent="-342900" lvl="0" marL="457200" rtl="0">
+              <a:spcBef>
+                <a:spcPts val="0"/>
+              </a:spcBef>
+              <a:spcAft>
+                <a:spcPts val="0"/>
+              </a:spcAft>
+              <a:buSzPts val="1800"/>
               <a:buChar char="●"/>
             </a:pPr>
             <a:r>
-              <a:rPr lang="pt-BR"/>
+              <a:rPr lang="pt-BR" sz="1800"/>
               <a:t>Diogo Scheffer</a:t>
             </a:r>
-            <a:endParaRPr/>
+            <a:endParaRPr sz="1800"/>
           </a:p>
           <a:p>
-            <a:pPr indent="-311150" lvl="0" marL="457200" rtl="0">
-              <a:spcBef>
-                <a:spcPts val="0"/>
-              </a:spcBef>
-              <a:spcAft>
-                <a:spcPts val="0"/>
-              </a:spcAft>
-              <a:buSzPts val="1300"/>
+            <a:pPr indent="-342900" lvl="0" marL="457200" rtl="0">
+              <a:spcBef>
+                <a:spcPts val="0"/>
+              </a:spcBef>
+              <a:spcAft>
+                <a:spcPts val="0"/>
+              </a:spcAft>
+              <a:buSzPts val="1800"/>
               <a:buChar char="●"/>
             </a:pPr>
             <a:r>
-              <a:rPr lang="pt-BR"/>
+              <a:rPr lang="pt-BR" sz="1800"/>
               <a:t>Lucas Vidigal</a:t>
             </a:r>
-            <a:endParaRPr/>
+            <a:endParaRPr sz="1800"/>
           </a:p>
           <a:p>
-            <a:pPr indent="-311150" lvl="0" marL="457200">
-              <a:spcBef>
-                <a:spcPts val="0"/>
-              </a:spcBef>
-              <a:spcAft>
-                <a:spcPts val="0"/>
-              </a:spcAft>
-              <a:buSzPts val="1300"/>
+            <a:pPr indent="-342900" lvl="0" marL="457200">
+              <a:spcBef>
+                <a:spcPts val="0"/>
+              </a:spcBef>
+              <a:spcAft>
+                <a:spcPts val="0"/>
+              </a:spcAft>
+              <a:buSzPts val="1800"/>
               <a:buChar char="●"/>
             </a:pPr>
             <a:r>
-              <a:rPr lang="pt-BR"/>
+              <a:rPr lang="pt-BR" sz="1800"/>
               <a:t>Raih Lima</a:t>
             </a:r>
-            <a:endParaRPr/>
+            <a:endParaRPr sz="1800"/>
           </a:p>
         </p:txBody>
       </p:sp>
@@ -11899,8 +12144,8 @@
         </p:nvSpPr>
         <p:spPr>
           <a:xfrm>
-            <a:off x="1297500" y="393750"/>
-            <a:ext cx="7038900" cy="914100"/>
+            <a:off x="1297500" y="525000"/>
+            <a:ext cx="7038900" cy="1218900"/>
           </a:xfrm>
           <a:prstGeom prst="rect">
             <a:avLst/>
@@ -11939,8 +12184,8 @@
         </p:nvSpPr>
         <p:spPr>
           <a:xfrm>
-            <a:off x="1297500" y="1567550"/>
-            <a:ext cx="7038900" cy="2911200"/>
+            <a:off x="1297500" y="2090067"/>
+            <a:ext cx="7038900" cy="3881700"/>
           </a:xfrm>
           <a:prstGeom prst="rect">
             <a:avLst/>
@@ -11952,21 +12197,21 @@
           </a:bodyPr>
           <a:lstStyle/>
           <a:p>
-            <a:pPr indent="-311150" lvl="0" marL="457200" rtl="0">
-              <a:spcBef>
-                <a:spcPts val="0"/>
-              </a:spcBef>
-              <a:spcAft>
-                <a:spcPts val="0"/>
-              </a:spcAft>
-              <a:buSzPts val="1300"/>
+            <a:pPr indent="-342900" lvl="0" marL="457200" rtl="0">
+              <a:spcBef>
+                <a:spcPts val="0"/>
+              </a:spcBef>
+              <a:spcAft>
+                <a:spcPts val="0"/>
+              </a:spcAft>
+              <a:buSzPts val="1800"/>
               <a:buChar char="●"/>
             </a:pPr>
             <a:r>
-              <a:rPr lang="pt-BR"/>
+              <a:rPr lang="pt-BR" sz="1800"/>
               <a:t>Modelo que será utilizado: Método Cascata</a:t>
             </a:r>
-            <a:endParaRPr/>
+            <a:endParaRPr sz="1800"/>
           </a:p>
         </p:txBody>
       </p:sp>
@@ -12005,8 +12250,8 @@
         </p:nvSpPr>
         <p:spPr>
           <a:xfrm>
-            <a:off x="1297500" y="393750"/>
-            <a:ext cx="7038900" cy="914100"/>
+            <a:off x="1297500" y="525000"/>
+            <a:ext cx="7038900" cy="1218900"/>
           </a:xfrm>
           <a:prstGeom prst="rect">
             <a:avLst/>
@@ -12045,8 +12290,8 @@
         </p:nvSpPr>
         <p:spPr>
           <a:xfrm>
-            <a:off x="1297500" y="1567550"/>
-            <a:ext cx="7038900" cy="2911200"/>
+            <a:off x="1297500" y="2090067"/>
+            <a:ext cx="7038900" cy="3881700"/>
           </a:xfrm>
           <a:prstGeom prst="rect">
             <a:avLst/>
@@ -12065,7 +12310,7 @@
           </a:bodyPr>
           <a:lstStyle/>
           <a:p>
-            <a:pPr indent="-311150" lvl="0" marL="457200" rtl="0">
+            <a:pPr indent="-342900" lvl="0" marL="457200" rtl="0">
               <a:spcBef>
                 <a:spcPts val="0"/>
               </a:spcBef>
@@ -12075,25 +12320,25 @@
               <a:buClr>
                 <a:srgbClr val="FFFFFF"/>
               </a:buClr>
-              <a:buSzPts val="1300"/>
+              <a:buSzPts val="1800"/>
               <a:buChar char="●"/>
             </a:pPr>
             <a:r>
-              <a:rPr lang="pt-BR">
+              <a:rPr lang="pt-BR" sz="1800">
                 <a:solidFill>
                   <a:srgbClr val="FFFFFF"/>
                 </a:solidFill>
               </a:rPr>
               <a:t>O objetivo principal desse sistema é que as diferentes fases de desenvolvimento seguem uma sequência: A primeira etapa se direciona para a segunda e esta se movimenta para a terceira e assim por diante.</a:t>
             </a:r>
-            <a:endParaRPr>
+            <a:endParaRPr sz="1800">
               <a:solidFill>
                 <a:srgbClr val="FFFFFF"/>
               </a:solidFill>
             </a:endParaRPr>
           </a:p>
           <a:p>
-            <a:pPr indent="-311150" lvl="0" marL="457200" rtl="0">
+            <a:pPr indent="-342900" lvl="0" marL="457200" rtl="0">
               <a:spcBef>
                 <a:spcPts val="0"/>
               </a:spcBef>
@@ -12103,18 +12348,18 @@
               <a:buClr>
                 <a:srgbClr val="FFFFFF"/>
               </a:buClr>
-              <a:buSzPts val="1300"/>
+              <a:buSzPts val="1800"/>
               <a:buChar char="●"/>
             </a:pPr>
             <a:r>
-              <a:rPr lang="pt-BR">
+              <a:rPr lang="pt-BR" sz="1800">
                 <a:solidFill>
                   <a:srgbClr val="FFFFFF"/>
                 </a:solidFill>
               </a:rPr>
               <a:t>As atividades que devem ser executadas são reunidas em tarefas e executadas sequencialmente, onde uma tarefa só se inicia quando a anterior foi completamente finalizada.</a:t>
             </a:r>
-            <a:endParaRPr>
+            <a:endParaRPr sz="1800">
               <a:solidFill>
                 <a:srgbClr val="FFFFFF"/>
               </a:solidFill>
@@ -12157,8 +12402,8 @@
         </p:nvSpPr>
         <p:spPr>
           <a:xfrm>
-            <a:off x="1297500" y="393750"/>
-            <a:ext cx="7038900" cy="914100"/>
+            <a:off x="1297500" y="525000"/>
+            <a:ext cx="7038900" cy="1218900"/>
           </a:xfrm>
           <a:prstGeom prst="rect">
             <a:avLst/>
@@ -12197,8 +12442,8 @@
         </p:nvSpPr>
         <p:spPr>
           <a:xfrm>
-            <a:off x="1297500" y="1567550"/>
-            <a:ext cx="7038900" cy="2911200"/>
+            <a:off x="1297500" y="2090067"/>
+            <a:ext cx="7038900" cy="3881700"/>
           </a:xfrm>
           <a:prstGeom prst="rect">
             <a:avLst/>
@@ -12242,8 +12487,8 @@
         </p:blipFill>
         <p:spPr>
           <a:xfrm>
-            <a:off x="1748600" y="1567550"/>
-            <a:ext cx="5930050" cy="3151800"/>
+            <a:off x="1748600" y="2090067"/>
+            <a:ext cx="5930050" cy="4202400"/>
           </a:xfrm>
           <a:prstGeom prst="rect">
             <a:avLst/>
@@ -12289,8 +12534,8 @@
         </p:nvSpPr>
         <p:spPr>
           <a:xfrm>
-            <a:off x="1297500" y="393750"/>
-            <a:ext cx="7038900" cy="914100"/>
+            <a:off x="1297500" y="525000"/>
+            <a:ext cx="7038900" cy="1218900"/>
           </a:xfrm>
           <a:prstGeom prst="rect">
             <a:avLst/>
@@ -12329,8 +12574,8 @@
         </p:nvSpPr>
         <p:spPr>
           <a:xfrm>
-            <a:off x="1052550" y="1557225"/>
-            <a:ext cx="7038900" cy="2911200"/>
+            <a:off x="1052550" y="2076300"/>
+            <a:ext cx="7038900" cy="3881700"/>
           </a:xfrm>
           <a:prstGeom prst="rect">
             <a:avLst/>
@@ -12342,55 +12587,55 @@
           </a:bodyPr>
           <a:lstStyle/>
           <a:p>
-            <a:pPr indent="-311150" lvl="0" marL="457200">
-              <a:spcBef>
-                <a:spcPts val="0"/>
-              </a:spcBef>
-              <a:spcAft>
-                <a:spcPts val="0"/>
-              </a:spcAft>
-              <a:buSzPts val="1300"/>
+            <a:pPr indent="-342900" lvl="0" marL="457200">
+              <a:spcBef>
+                <a:spcPts val="0"/>
+              </a:spcBef>
+              <a:spcAft>
+                <a:spcPts val="0"/>
+              </a:spcAft>
+              <a:buSzPts val="1800"/>
               <a:buChar char="●"/>
             </a:pPr>
             <a:r>
-              <a:rPr lang="pt-BR"/>
+              <a:rPr lang="pt-BR" sz="1800"/>
               <a:t>O modelo em cascata será utilizado pois a estrutura da disciplina favorece a utilização desse modelo. A cada etapa completada segue-se a próxima e assim por diante, sendo considerada a anterior já finalizada.</a:t>
             </a:r>
-            <a:endParaRPr/>
+            <a:endParaRPr sz="1800"/>
           </a:p>
           <a:p>
-            <a:pPr indent="-311150" lvl="0" marL="457200" rtl="0">
-              <a:spcBef>
-                <a:spcPts val="0"/>
-              </a:spcBef>
-              <a:spcAft>
-                <a:spcPts val="0"/>
-              </a:spcAft>
-              <a:buSzPts val="1300"/>
+            <a:pPr indent="-342900" lvl="0" marL="457200" rtl="0">
+              <a:spcBef>
+                <a:spcPts val="0"/>
+              </a:spcBef>
+              <a:spcAft>
+                <a:spcPts val="0"/>
+              </a:spcAft>
+              <a:buSzPts val="1800"/>
               <a:buChar char="●"/>
             </a:pPr>
             <a:r>
-              <a:rPr lang="pt-BR"/>
+              <a:rPr lang="pt-BR" sz="1800"/>
               <a:t>É permitido apenas pequenas mudanças nas tarefas anteriores.</a:t>
             </a:r>
-            <a:endParaRPr/>
+            <a:endParaRPr sz="1800"/>
           </a:p>
           <a:p>
-            <a:pPr indent="-311150" lvl="0" marL="457200">
-              <a:spcBef>
-                <a:spcPts val="0"/>
-              </a:spcBef>
-              <a:spcAft>
-                <a:spcPts val="0"/>
-              </a:spcAft>
-              <a:buSzPts val="1300"/>
+            <a:pPr indent="-342900" lvl="0" marL="457200">
+              <a:spcBef>
+                <a:spcPts val="0"/>
+              </a:spcBef>
+              <a:spcAft>
+                <a:spcPts val="0"/>
+              </a:spcAft>
+              <a:buSzPts val="1800"/>
               <a:buChar char="●"/>
             </a:pPr>
             <a:r>
-              <a:rPr lang="pt-BR"/>
+              <a:rPr lang="pt-BR" sz="1800"/>
               <a:t>O desenvolvimento do software é de pequeno porte, o jogo a ser criado também é de pequeno porte, favorecendo a utilização do modelo em cascata.</a:t>
             </a:r>
-            <a:endParaRPr/>
+            <a:endParaRPr sz="1800"/>
           </a:p>
           <a:p>
             <a:pPr indent="0" lvl="0" marL="0">
@@ -12444,8 +12689,8 @@
         </p:nvSpPr>
         <p:spPr>
           <a:xfrm>
-            <a:off x="1297500" y="393750"/>
-            <a:ext cx="7038900" cy="914100"/>
+            <a:off x="1297500" y="525000"/>
+            <a:ext cx="7038900" cy="1218900"/>
           </a:xfrm>
           <a:prstGeom prst="rect">
             <a:avLst/>
@@ -12492,8 +12737,8 @@
         </p:nvSpPr>
         <p:spPr>
           <a:xfrm>
-            <a:off x="1297500" y="1510750"/>
-            <a:ext cx="7038900" cy="2911200"/>
+            <a:off x="946575" y="2014325"/>
+            <a:ext cx="7730400" cy="3881700"/>
           </a:xfrm>
           <a:prstGeom prst="rect">
             <a:avLst/>
@@ -12505,114 +12750,114 @@
           </a:bodyPr>
           <a:lstStyle/>
           <a:p>
-            <a:pPr indent="-311150" lvl="0" marL="457200" rtl="0">
-              <a:spcBef>
-                <a:spcPts val="0"/>
-              </a:spcBef>
-              <a:spcAft>
-                <a:spcPts val="0"/>
-              </a:spcAft>
-              <a:buSzPts val="1300"/>
+            <a:pPr indent="-342900" lvl="0" marL="457200" rtl="0">
+              <a:spcBef>
+                <a:spcPts val="0"/>
+              </a:spcBef>
+              <a:spcAft>
+                <a:spcPts val="0"/>
+              </a:spcAft>
+              <a:buSzPts val="1800"/>
               <a:buChar char="●"/>
             </a:pPr>
             <a:r>
-              <a:rPr lang="pt-BR"/>
+              <a:rPr lang="pt-BR" sz="1800"/>
               <a:t>Nessa etapa o grupo se concentrou na criação e análise sobre o jogo que seria criado.</a:t>
             </a:r>
-            <a:endParaRPr/>
+            <a:endParaRPr sz="1800"/>
           </a:p>
           <a:p>
-            <a:pPr indent="-311150" lvl="0" marL="457200" rtl="0">
-              <a:spcBef>
-                <a:spcPts val="0"/>
-              </a:spcBef>
-              <a:spcAft>
-                <a:spcPts val="0"/>
-              </a:spcAft>
-              <a:buSzPts val="1300"/>
+            <a:pPr indent="-342900" lvl="0" marL="457200" rtl="0">
+              <a:spcBef>
+                <a:spcPts val="0"/>
+              </a:spcBef>
+              <a:spcAft>
+                <a:spcPts val="0"/>
+              </a:spcAft>
+              <a:buSzPts val="1800"/>
               <a:buChar char="●"/>
             </a:pPr>
             <a:r>
-              <a:rPr lang="pt-BR"/>
+              <a:rPr lang="pt-BR" sz="1800"/>
               <a:t>A partir da noção básica de funcionamento do jogo, o grupo redirecionou esforços na elicitação de requisitos.</a:t>
             </a:r>
-            <a:endParaRPr/>
+            <a:endParaRPr sz="1800"/>
           </a:p>
           <a:p>
-            <a:pPr indent="-311150" lvl="0" marL="457200" rtl="0">
-              <a:spcBef>
-                <a:spcPts val="0"/>
-              </a:spcBef>
-              <a:spcAft>
-                <a:spcPts val="0"/>
-              </a:spcAft>
-              <a:buSzPts val="1300"/>
+            <a:pPr indent="-342900" lvl="0" marL="457200" rtl="0">
+              <a:spcBef>
+                <a:spcPts val="0"/>
+              </a:spcBef>
+              <a:spcAft>
+                <a:spcPts val="0"/>
+              </a:spcAft>
+              <a:buSzPts val="1800"/>
               <a:buChar char="●"/>
             </a:pPr>
             <a:r>
-              <a:rPr lang="pt-BR"/>
+              <a:rPr lang="pt-BR" sz="1800"/>
               <a:t>Etapa importante do projeto, pois qualquer análise errada do jogo resultará em grandes problemas a frente.</a:t>
             </a:r>
-            <a:endParaRPr/>
+            <a:endParaRPr sz="1800"/>
           </a:p>
           <a:p>
-            <a:pPr indent="-311150" lvl="0" marL="457200" rtl="0">
-              <a:spcBef>
-                <a:spcPts val="0"/>
-              </a:spcBef>
-              <a:spcAft>
-                <a:spcPts val="0"/>
-              </a:spcAft>
-              <a:buSzPts val="1300"/>
+            <a:pPr indent="-342900" lvl="0" marL="457200" rtl="0">
+              <a:spcBef>
+                <a:spcPts val="0"/>
+              </a:spcBef>
+              <a:spcAft>
+                <a:spcPts val="0"/>
+              </a:spcAft>
+              <a:buSzPts val="1800"/>
               <a:buChar char="●"/>
             </a:pPr>
             <a:r>
-              <a:rPr lang="pt-BR"/>
+              <a:rPr lang="pt-BR" sz="1800"/>
               <a:t>Projetista deve constatar se os objetivos do software (no caso o jogo) são alcançados, para o nosso projeto, o objetivo  é </a:t>
             </a:r>
             <a:r>
-              <a:rPr lang="pt-BR"/>
+              <a:rPr lang="pt-BR" sz="1800"/>
               <a:t>auxiliar no ensino de engenharia de software.</a:t>
             </a:r>
             <a:r>
-              <a:rPr lang="pt-BR"/>
+              <a:rPr lang="pt-BR" sz="1800"/>
               <a:t> </a:t>
             </a:r>
-            <a:endParaRPr/>
+            <a:endParaRPr sz="1800"/>
           </a:p>
           <a:p>
-            <a:pPr indent="-311150" lvl="0" marL="457200" rtl="0">
-              <a:spcBef>
-                <a:spcPts val="0"/>
-              </a:spcBef>
-              <a:spcAft>
-                <a:spcPts val="0"/>
-              </a:spcAft>
-              <a:buSzPts val="1300"/>
+            <a:pPr indent="-342900" lvl="0" marL="457200" rtl="0">
+              <a:spcBef>
+                <a:spcPts val="0"/>
+              </a:spcBef>
+              <a:spcAft>
+                <a:spcPts val="0"/>
+              </a:spcAft>
+              <a:buSzPts val="1800"/>
               <a:buChar char="●"/>
             </a:pPr>
             <a:r>
-              <a:rPr lang="pt-BR"/>
+              <a:rPr lang="pt-BR" sz="1800"/>
               <a:t>Projetista levanta questões como viabilidade e facilidade do projeto, seguida da documentação do mesmo.</a:t>
             </a:r>
-            <a:endParaRPr/>
+            <a:endParaRPr sz="1800"/>
           </a:p>
           <a:p>
-            <a:pPr indent="-311150" lvl="0" marL="457200" rtl="0">
-              <a:spcBef>
-                <a:spcPts val="0"/>
-              </a:spcBef>
-              <a:spcAft>
-                <a:spcPts val="0"/>
-              </a:spcAft>
-              <a:buSzPts val="1300"/>
+            <a:pPr indent="-342900" lvl="0" marL="457200" rtl="0">
+              <a:spcBef>
+                <a:spcPts val="0"/>
+              </a:spcBef>
+              <a:spcAft>
+                <a:spcPts val="0"/>
+              </a:spcAft>
+              <a:buSzPts val="1800"/>
               <a:buChar char="●"/>
             </a:pPr>
             <a:r>
-              <a:rPr lang="pt-BR"/>
+              <a:rPr lang="pt-BR" sz="1800"/>
               <a:t>Será gerado nessa etapa documentos de requisitos, diagrama de classes e documento com especificações do jogo.</a:t>
             </a:r>
-            <a:endParaRPr/>
+            <a:endParaRPr sz="1800"/>
           </a:p>
           <a:p>
             <a:pPr indent="0" lvl="0" marL="0">
@@ -12666,8 +12911,8 @@
         </p:nvSpPr>
         <p:spPr>
           <a:xfrm>
-            <a:off x="1297500" y="393750"/>
-            <a:ext cx="7038900" cy="914100"/>
+            <a:off x="1297500" y="525000"/>
+            <a:ext cx="7038900" cy="1218900"/>
           </a:xfrm>
           <a:prstGeom prst="rect">
             <a:avLst/>
@@ -12706,8 +12951,8 @@
         </p:nvSpPr>
         <p:spPr>
           <a:xfrm>
-            <a:off x="1297500" y="1567550"/>
-            <a:ext cx="7038900" cy="2911200"/>
+            <a:off x="1297500" y="2090067"/>
+            <a:ext cx="7038900" cy="3881700"/>
           </a:xfrm>
           <a:prstGeom prst="rect">
             <a:avLst/>
@@ -12719,38 +12964,38 @@
           </a:bodyPr>
           <a:lstStyle/>
           <a:p>
-            <a:pPr indent="-311150" lvl="0" marL="457200" rtl="0">
-              <a:spcBef>
-                <a:spcPts val="0"/>
-              </a:spcBef>
-              <a:spcAft>
-                <a:spcPts val="0"/>
-              </a:spcAft>
-              <a:buSzPts val="1300"/>
+            <a:pPr indent="-342900" lvl="0" marL="457200" rtl="0">
+              <a:spcBef>
+                <a:spcPts val="0"/>
+              </a:spcBef>
+              <a:spcAft>
+                <a:spcPts val="0"/>
+              </a:spcAft>
+              <a:buSzPts val="1800"/>
               <a:buChar char="●"/>
             </a:pPr>
             <a:r>
-              <a:rPr lang="pt-BR"/>
+              <a:rPr lang="pt-BR" sz="1800"/>
               <a:t>Todos os membros da equipe estarão presentes nesta etapa, softwares de diagrama UML(Astah) e de documentação serão usados(Word e GitHub).</a:t>
             </a:r>
-            <a:endParaRPr/>
+            <a:endParaRPr sz="1800"/>
           </a:p>
           <a:p>
-            <a:pPr indent="-311150" lvl="0" marL="457200" rtl="0">
-              <a:spcBef>
-                <a:spcPts val="0"/>
-              </a:spcBef>
-              <a:spcAft>
-                <a:spcPts val="0"/>
-              </a:spcAft>
-              <a:buSzPts val="1300"/>
+            <a:pPr indent="-342900" lvl="0" marL="457200" rtl="0">
+              <a:spcBef>
+                <a:spcPts val="0"/>
+              </a:spcBef>
+              <a:spcAft>
+                <a:spcPts val="0"/>
+              </a:spcAft>
+              <a:buSzPts val="1800"/>
               <a:buChar char="●"/>
             </a:pPr>
             <a:r>
-              <a:rPr lang="pt-BR"/>
+              <a:rPr lang="pt-BR" sz="1800"/>
               <a:t>Hardware utilizado foram os computadores pessoais dos membros do grupo.</a:t>
             </a:r>
-            <a:endParaRPr/>
+            <a:endParaRPr sz="1800"/>
           </a:p>
         </p:txBody>
       </p:sp>
@@ -12789,8 +13034,8 @@
         </p:nvSpPr>
         <p:spPr>
           <a:xfrm>
-            <a:off x="1297500" y="393750"/>
-            <a:ext cx="7038900" cy="914100"/>
+            <a:off x="1297500" y="525000"/>
+            <a:ext cx="7038900" cy="1218900"/>
           </a:xfrm>
           <a:prstGeom prst="rect">
             <a:avLst/>
@@ -12833,8 +13078,8 @@
         </p:nvSpPr>
         <p:spPr>
           <a:xfrm>
-            <a:off x="1297500" y="1567550"/>
-            <a:ext cx="7038900" cy="2911200"/>
+            <a:off x="1297500" y="1605451"/>
+            <a:ext cx="7038900" cy="4366200"/>
           </a:xfrm>
           <a:prstGeom prst="rect">
             <a:avLst/>
@@ -12846,106 +13091,106 @@
           </a:bodyPr>
           <a:lstStyle/>
           <a:p>
-            <a:pPr indent="-311150" lvl="0" marL="457200" rtl="0">
-              <a:spcBef>
-                <a:spcPts val="0"/>
-              </a:spcBef>
-              <a:spcAft>
-                <a:spcPts val="0"/>
-              </a:spcAft>
-              <a:buSzPts val="1300"/>
+            <a:pPr indent="-342900" lvl="0" marL="457200" rtl="0">
+              <a:spcBef>
+                <a:spcPts val="0"/>
+              </a:spcBef>
+              <a:spcAft>
+                <a:spcPts val="0"/>
+              </a:spcAft>
+              <a:buSzPts val="1800"/>
               <a:buChar char="●"/>
             </a:pPr>
             <a:r>
-              <a:rPr lang="pt-BR"/>
+              <a:rPr lang="pt-BR" sz="1800"/>
               <a:t>Nessa parte é definida os requisitos tanto do hardware quanto do software necessários para o desenvolvimento do jogo.</a:t>
             </a:r>
-            <a:endParaRPr/>
+            <a:endParaRPr sz="1800"/>
           </a:p>
           <a:p>
-            <a:pPr indent="-311150" lvl="0" marL="457200" rtl="0">
-              <a:spcBef>
-                <a:spcPts val="0"/>
-              </a:spcBef>
-              <a:spcAft>
-                <a:spcPts val="0"/>
-              </a:spcAft>
-              <a:buSzPts val="1300"/>
+            <a:pPr indent="-342900" lvl="0" marL="457200" rtl="0">
+              <a:spcBef>
+                <a:spcPts val="0"/>
+              </a:spcBef>
+              <a:spcAft>
+                <a:spcPts val="0"/>
+              </a:spcAft>
+              <a:buSzPts val="1800"/>
               <a:buChar char="●"/>
             </a:pPr>
             <a:r>
-              <a:rPr lang="pt-BR"/>
+              <a:rPr lang="pt-BR" sz="1800"/>
               <a:t>Indica também como o software deve ser desenvolvido.</a:t>
             </a:r>
-            <a:endParaRPr/>
+            <a:endParaRPr sz="1800"/>
           </a:p>
           <a:p>
-            <a:pPr indent="-311150" lvl="0" marL="457200" rtl="0">
-              <a:spcBef>
-                <a:spcPts val="0"/>
-              </a:spcBef>
-              <a:spcAft>
-                <a:spcPts val="0"/>
-              </a:spcAft>
-              <a:buSzPts val="1300"/>
+            <a:pPr indent="-342900" lvl="0" marL="457200" rtl="0">
+              <a:spcBef>
+                <a:spcPts val="0"/>
+              </a:spcBef>
+              <a:spcAft>
+                <a:spcPts val="0"/>
+              </a:spcAft>
+              <a:buSzPts val="1800"/>
               <a:buChar char="●"/>
             </a:pPr>
             <a:r>
-              <a:rPr lang="pt-BR"/>
+              <a:rPr lang="pt-BR" sz="1800"/>
               <a:t>Foi mostrado nas tarefas anteriores os requisitos necessários e também como será implementado. Principalmente pelo diagrama de classes que mostrou a estrutura do jogo.</a:t>
             </a:r>
-            <a:endParaRPr/>
+            <a:endParaRPr sz="1800"/>
           </a:p>
           <a:p>
-            <a:pPr indent="-311150" lvl="0" marL="457200" rtl="0">
-              <a:spcBef>
-                <a:spcPts val="0"/>
-              </a:spcBef>
-              <a:spcAft>
-                <a:spcPts val="0"/>
-              </a:spcAft>
-              <a:buSzPts val="1300"/>
+            <a:pPr indent="-342900" lvl="0" marL="457200" rtl="0">
+              <a:spcBef>
+                <a:spcPts val="0"/>
+              </a:spcBef>
+              <a:spcAft>
+                <a:spcPts val="0"/>
+              </a:spcAft>
+              <a:buSzPts val="1800"/>
               <a:buChar char="●"/>
             </a:pPr>
             <a:r>
-              <a:rPr lang="pt-BR"/>
+              <a:rPr lang="pt-BR" sz="1800"/>
               <a:t>Hardware utilizado foram os computadores pessoais dos membros do grupo.</a:t>
             </a:r>
-            <a:endParaRPr/>
+            <a:endParaRPr sz="1800"/>
           </a:p>
           <a:p>
-            <a:pPr indent="-311150" lvl="0" marL="457200" rtl="0">
-              <a:spcBef>
-                <a:spcPts val="0"/>
-              </a:spcBef>
-              <a:spcAft>
-                <a:spcPts val="0"/>
-              </a:spcAft>
-              <a:buSzPts val="1300"/>
+            <a:pPr indent="-342900" lvl="0" marL="457200" rtl="0">
+              <a:spcBef>
+                <a:spcPts val="0"/>
+              </a:spcBef>
+              <a:spcAft>
+                <a:spcPts val="0"/>
+              </a:spcAft>
+              <a:buSzPts val="1800"/>
               <a:buChar char="●"/>
             </a:pPr>
             <a:r>
-              <a:rPr lang="pt-BR"/>
+              <a:rPr lang="pt-BR" sz="1800"/>
               <a:t>Contará com a participação dos quatro membros do grupo, ferramentas de organização, geração de diagramas e requisitos(Astah e Taiga.io) e geração de documentos referentes a etapa(Word e GitHub). </a:t>
             </a:r>
-            <a:endParaRPr/>
+            <a:endParaRPr sz="1800"/>
           </a:p>
           <a:p>
-            <a:pPr indent="-311150" lvl="0" marL="457200">
-              <a:spcBef>
-                <a:spcPts val="0"/>
-              </a:spcBef>
-              <a:spcAft>
-                <a:spcPts val="0"/>
-              </a:spcAft>
-              <a:buSzPts val="1300"/>
+            <a:pPr indent="-342900" lvl="0" marL="457200">
+              <a:spcBef>
+                <a:spcPts val="0"/>
+              </a:spcBef>
+              <a:spcAft>
+                <a:spcPts val="0"/>
+              </a:spcAft>
+              <a:buSzPts val="1800"/>
               <a:buChar char="●"/>
             </a:pPr>
             <a:r>
-              <a:rPr lang="pt-BR"/>
+              <a:rPr lang="pt-BR" sz="1800"/>
               <a:t>Hardware utilizado foram os computadores pessoais dos membros do grupo.</a:t>
             </a:r>
-            <a:endParaRPr/>
+            <a:endParaRPr sz="1800"/>
           </a:p>
         </p:txBody>
       </p:sp>

--- a/Apresentação 03.pptx
+++ b/Apresentação 03.pptx
@@ -1526,7 +1526,7 @@
         </p:nvSpPr>
         <p:spPr>
           <a:xfrm>
-            <a:off x="1143300" y="685800"/>
+            <a:off x="1143309" y="685800"/>
             <a:ext cx="4572000" cy="3429000"/>
           </a:xfrm>
           <a:custGeom>
@@ -11272,8 +11272,8 @@
         </p:blipFill>
         <p:spPr>
           <a:xfrm>
-            <a:off x="672650" y="1467900"/>
-            <a:ext cx="7663749" cy="3844450"/>
+            <a:off x="352625" y="1632550"/>
+            <a:ext cx="8336402" cy="4181879"/>
           </a:xfrm>
           <a:prstGeom prst="rect">
             <a:avLst/>
@@ -11873,7 +11873,7 @@
             </a:pPr>
             <a:r>
               <a:rPr lang="pt-BR"/>
-              <a:t>Aplicando APF</a:t>
+              <a:t>Aplicando PF</a:t>
             </a:r>
             <a:endParaRPr/>
           </a:p>
@@ -11914,7 +11914,11 @@
             </a:pPr>
             <a:r>
               <a:rPr lang="pt-BR" sz="1800"/>
-              <a:t>Iremos mensurar o jogo quantificando as tarefas e serviços oferecidos ao usuário.</a:t>
+              <a:t>O projeto necessita do RPG Maker, com custo  de R$136 por computador</a:t>
+            </a:r>
+            <a:r>
+              <a:rPr lang="pt-BR" sz="1800"/>
+              <a:t>.</a:t>
             </a:r>
             <a:endParaRPr sz="1800"/>
           </a:p>
@@ -11931,22 +11935,49 @@
             </a:pPr>
             <a:r>
               <a:rPr lang="pt-BR" sz="1800"/>
-              <a:t>Levando em consideração que nosso jogo tem como objetivo a diversão somada ao ensino de engenharia de software, vamos quantificar questões como número de projetos assumidos pelo usuário no jogo, custo em tempo do usuário no jogo, número de questões relacionadas a engenharia de software respondidas, entre outras.</a:t>
+              <a:t>O projeto será realizado num grupo com 4 integrantes.</a:t>
             </a:r>
             <a:endParaRPr sz="1800"/>
           </a:p>
           <a:p>
-            <a:pPr indent="0" lvl="0" marL="0">
-              <a:spcBef>
-                <a:spcPts val="1600"/>
-              </a:spcBef>
-              <a:spcAft>
-                <a:spcPts val="1600"/>
-              </a:spcAft>
-              <a:buNone/>
+            <a:pPr indent="-342900" lvl="0" marL="457200" rtl="0">
+              <a:spcBef>
+                <a:spcPts val="0"/>
+              </a:spcBef>
+              <a:spcAft>
+                <a:spcPts val="0"/>
+              </a:spcAft>
+              <a:buSzPts val="1800"/>
+              <a:buChar char="●"/>
             </a:pPr>
             <a:r>
-              <a:t/>
+              <a:rPr lang="pt-BR" sz="1800"/>
+              <a:t>O projeto terá tempo de entrega</a:t>
+            </a:r>
+            <a:r>
+              <a:rPr lang="pt-BR"/>
+              <a:t> </a:t>
+            </a:r>
+            <a:r>
+              <a:rPr lang="pt-BR" sz="1800"/>
+              <a:t>de 45 a 60 dias.</a:t>
+            </a:r>
+            <a:endParaRPr sz="1800"/>
+          </a:p>
+          <a:p>
+            <a:pPr indent="-342900" lvl="0" marL="457200" rtl="0">
+              <a:spcBef>
+                <a:spcPts val="0"/>
+              </a:spcBef>
+              <a:spcAft>
+                <a:spcPts val="0"/>
+              </a:spcAft>
+              <a:buSzPts val="1800"/>
+              <a:buChar char="●"/>
+            </a:pPr>
+            <a:r>
+              <a:rPr lang="pt-BR" sz="1800"/>
+              <a:t>O projeto dependerá de no mínimo 1 computador para ser executado, e um máximo de 4 computadores.</a:t>
             </a:r>
             <a:endParaRPr sz="1800"/>
           </a:p>
@@ -13203,6 +13234,285 @@
 </file>
 
 <file path=ppt/theme/theme1.xml><?xml version="1.0" encoding="utf-8"?>
+<a:theme xmlns:a="http://schemas.openxmlformats.org/drawingml/2006/main" xmlns:r="http://schemas.openxmlformats.org/officeDocument/2006/relationships">
+  <a:themeElements>
+    <a:clrScheme name="Default">
+      <a:dk1>
+        <a:srgbClr val="000000"/>
+      </a:dk1>
+      <a:lt1>
+        <a:srgbClr val="FFFFFF"/>
+      </a:lt1>
+      <a:dk2>
+        <a:srgbClr val="158158"/>
+      </a:dk2>
+      <a:lt2>
+        <a:srgbClr val="F3F3F3"/>
+      </a:lt2>
+      <a:accent1>
+        <a:srgbClr val="058DC7"/>
+      </a:accent1>
+      <a:accent2>
+        <a:srgbClr val="50B432"/>
+      </a:accent2>
+      <a:accent3>
+        <a:srgbClr val="ED561B"/>
+      </a:accent3>
+      <a:accent4>
+        <a:srgbClr val="EDEF00"/>
+      </a:accent4>
+      <a:accent5>
+        <a:srgbClr val="24CBE5"/>
+      </a:accent5>
+      <a:accent6>
+        <a:srgbClr val="64E572"/>
+      </a:accent6>
+      <a:hlink>
+        <a:srgbClr val="2200CC"/>
+      </a:hlink>
+      <a:folHlink>
+        <a:srgbClr val="551A8B"/>
+      </a:folHlink>
+    </a:clrScheme>
+    <a:fontScheme name="Office">
+      <a:majorFont>
+        <a:latin typeface="Arial"/>
+        <a:ea typeface=""/>
+        <a:cs typeface=""/>
+        <a:font script="Jpan" typeface="ＭＳ Ｐゴシック"/>
+        <a:font script="Hang" typeface="맑은 고딕"/>
+        <a:font script="Hans" typeface="宋体"/>
+        <a:font script="Hant" typeface="新細明體"/>
+        <a:font script="Arab" typeface="Times New Roman"/>
+        <a:font script="Hebr" typeface="Times New Roman"/>
+        <a:font script="Thai" typeface="Angsana New"/>
+        <a:font script="Ethi" typeface="Nyala"/>
+        <a:font script="Beng" typeface="Vrinda"/>
+        <a:font script="Gujr" typeface="Shruti"/>
+        <a:font script="Khmr" typeface="MoolBoran"/>
+        <a:font script="Knda" typeface="Tunga"/>
+        <a:font script="Guru" typeface="Raavi"/>
+        <a:font script="Cans" typeface="Euphemia"/>
+        <a:font script="Cher" typeface="Plantagenet Cherokee"/>
+        <a:font script="Yiii" typeface="Microsoft Yi Baiti"/>
+        <a:font script="Tibt" typeface="Microsoft Himalaya"/>
+        <a:font script="Thaa" typeface="MV Boli"/>
+        <a:font script="Deva" typeface="Mangal"/>
+        <a:font script="Telu" typeface="Gautami"/>
+        <a:font script="Taml" typeface="Latha"/>
+        <a:font script="Syrc" typeface="Estrangelo Edessa"/>
+        <a:font script="Orya" typeface="Kalinga"/>
+        <a:font script="Mlym" typeface="Kartika"/>
+        <a:font script="Laoo" typeface="DokChampa"/>
+        <a:font script="Sinh" typeface="Iskoola Pota"/>
+        <a:font script="Mong" typeface="Mongolian Baiti"/>
+        <a:font script="Viet" typeface="Times New Roman"/>
+        <a:font script="Uigh" typeface="Microsoft Uighur"/>
+        <a:font script="Geor" typeface="Sylfaen"/>
+      </a:majorFont>
+      <a:minorFont>
+        <a:latin typeface="Arial"/>
+        <a:ea typeface=""/>
+        <a:cs typeface=""/>
+        <a:font script="Jpan" typeface="ＭＳ Ｐゴシック"/>
+        <a:font script="Hang" typeface="맑은 고딕"/>
+        <a:font script="Hans" typeface="宋体"/>
+        <a:font script="Hant" typeface="新細明體"/>
+        <a:font script="Arab" typeface="Arial"/>
+        <a:font script="Hebr" typeface="Arial"/>
+        <a:font script="Thai" typeface="Cordia New"/>
+        <a:font script="Ethi" typeface="Nyala"/>
+        <a:font script="Beng" typeface="Vrinda"/>
+        <a:font script="Gujr" typeface="Shruti"/>
+        <a:font script="Khmr" typeface="DaunPenh"/>
+        <a:font script="Knda" typeface="Tunga"/>
+        <a:font script="Guru" typeface="Raavi"/>
+        <a:font script="Cans" typeface="Euphemia"/>
+        <a:font script="Cher" typeface="Plantagenet Cherokee"/>
+        <a:font script="Yiii" typeface="Microsoft Yi Baiti"/>
+        <a:font script="Tibt" typeface="Microsoft Himalaya"/>
+        <a:font script="Thaa" typeface="MV Boli"/>
+        <a:font script="Deva" typeface="Mangal"/>
+        <a:font script="Telu" typeface="Gautami"/>
+        <a:font script="Taml" typeface="Latha"/>
+        <a:font script="Syrc" typeface="Estrangelo Edessa"/>
+        <a:font script="Orya" typeface="Kalinga"/>
+        <a:font script="Mlym" typeface="Kartika"/>
+        <a:font script="Laoo" typeface="DokChampa"/>
+        <a:font script="Sinh" typeface="Iskoola Pota"/>
+        <a:font script="Mong" typeface="Mongolian Baiti"/>
+        <a:font script="Viet" typeface="Arial"/>
+        <a:font script="Uigh" typeface="Microsoft Uighur"/>
+        <a:font script="Geor" typeface="Sylfaen"/>
+      </a:minorFont>
+    </a:fontScheme>
+    <a:fmtScheme name="Office">
+      <a:fillStyleLst>
+        <a:solidFill>
+          <a:schemeClr val="phClr"/>
+        </a:solidFill>
+        <a:gradFill rotWithShape="1">
+          <a:gsLst>
+            <a:gs pos="0">
+              <a:schemeClr val="phClr">
+                <a:tint val="50000"/>
+                <a:satMod val="300000"/>
+              </a:schemeClr>
+            </a:gs>
+            <a:gs pos="35000">
+              <a:schemeClr val="phClr">
+                <a:tint val="37000"/>
+                <a:satMod val="300000"/>
+              </a:schemeClr>
+            </a:gs>
+            <a:gs pos="100000">
+              <a:schemeClr val="phClr">
+                <a:tint val="15000"/>
+                <a:satMod val="350000"/>
+              </a:schemeClr>
+            </a:gs>
+          </a:gsLst>
+          <a:lin ang="16200000" scaled="1"/>
+        </a:gradFill>
+        <a:gradFill rotWithShape="1">
+          <a:gsLst>
+            <a:gs pos="0">
+              <a:schemeClr val="phClr">
+                <a:tint val="100000"/>
+                <a:shade val="100000"/>
+                <a:satMod val="130000"/>
+              </a:schemeClr>
+            </a:gs>
+            <a:gs pos="100000">
+              <a:schemeClr val="phClr">
+                <a:tint val="50000"/>
+                <a:shade val="100000"/>
+                <a:satMod val="350000"/>
+              </a:schemeClr>
+            </a:gs>
+          </a:gsLst>
+          <a:lin ang="16200000" scaled="0"/>
+        </a:gradFill>
+      </a:fillStyleLst>
+      <a:lnStyleLst>
+        <a:ln w="9525" cap="flat" cmpd="sng" algn="ctr">
+          <a:solidFill>
+            <a:schemeClr val="phClr">
+              <a:shade val="95000"/>
+              <a:satMod val="105000"/>
+            </a:schemeClr>
+          </a:solidFill>
+          <a:prstDash val="solid"/>
+        </a:ln>
+        <a:ln w="25400" cap="flat" cmpd="sng" algn="ctr">
+          <a:solidFill>
+            <a:schemeClr val="phClr"/>
+          </a:solidFill>
+          <a:prstDash val="solid"/>
+        </a:ln>
+        <a:ln w="38100" cap="flat" cmpd="sng" algn="ctr">
+          <a:solidFill>
+            <a:schemeClr val="phClr"/>
+          </a:solidFill>
+          <a:prstDash val="solid"/>
+        </a:ln>
+      </a:lnStyleLst>
+      <a:effectStyleLst>
+        <a:effectStyle>
+          <a:effectLst>
+            <a:outerShdw blurRad="40000" dist="20000" dir="5400000" rotWithShape="0">
+              <a:srgbClr val="000000">
+                <a:alpha val="38000"/>
+              </a:srgbClr>
+            </a:outerShdw>
+          </a:effectLst>
+        </a:effectStyle>
+        <a:effectStyle>
+          <a:effectLst>
+            <a:outerShdw blurRad="40000" dist="23000" dir="5400000" rotWithShape="0">
+              <a:srgbClr val="000000">
+                <a:alpha val="35000"/>
+              </a:srgbClr>
+            </a:outerShdw>
+          </a:effectLst>
+        </a:effectStyle>
+        <a:effectStyle>
+          <a:effectLst>
+            <a:outerShdw blurRad="40000" dist="23000" dir="5400000" rotWithShape="0">
+              <a:srgbClr val="000000">
+                <a:alpha val="35000"/>
+              </a:srgbClr>
+            </a:outerShdw>
+          </a:effectLst>
+          <a:scene3d>
+            <a:camera prst="orthographicFront">
+              <a:rot lat="0" lon="0" rev="0"/>
+            </a:camera>
+            <a:lightRig rig="threePt" dir="t">
+              <a:rot lat="0" lon="0" rev="1200000"/>
+            </a:lightRig>
+          </a:scene3d>
+          <a:sp3d>
+            <a:bevelT w="63500" h="25400"/>
+          </a:sp3d>
+        </a:effectStyle>
+      </a:effectStyleLst>
+      <a:bgFillStyleLst>
+        <a:solidFill>
+          <a:schemeClr val="phClr"/>
+        </a:solidFill>
+        <a:gradFill rotWithShape="1">
+          <a:gsLst>
+            <a:gs pos="0">
+              <a:schemeClr val="phClr">
+                <a:tint val="40000"/>
+                <a:satMod val="350000"/>
+              </a:schemeClr>
+            </a:gs>
+            <a:gs pos="40000">
+              <a:schemeClr val="phClr">
+                <a:tint val="45000"/>
+                <a:shade val="99000"/>
+                <a:satMod val="350000"/>
+              </a:schemeClr>
+            </a:gs>
+            <a:gs pos="100000">
+              <a:schemeClr val="phClr">
+                <a:shade val="20000"/>
+                <a:satMod val="255000"/>
+              </a:schemeClr>
+            </a:gs>
+          </a:gsLst>
+          <a:path path="circle">
+            <a:fillToRect l="50000" t="-80000" r="50000" b="180000"/>
+          </a:path>
+        </a:gradFill>
+        <a:gradFill rotWithShape="1">
+          <a:gsLst>
+            <a:gs pos="0">
+              <a:schemeClr val="phClr">
+                <a:tint val="80000"/>
+                <a:satMod val="300000"/>
+              </a:schemeClr>
+            </a:gs>
+            <a:gs pos="100000">
+              <a:schemeClr val="phClr">
+                <a:shade val="30000"/>
+                <a:satMod val="200000"/>
+              </a:schemeClr>
+            </a:gs>
+          </a:gsLst>
+          <a:path path="circle">
+            <a:fillToRect l="50000" t="50000" r="50000" b="50000"/>
+          </a:path>
+        </a:gradFill>
+      </a:bgFillStyleLst>
+    </a:fmtScheme>
+  </a:themeElements>
+</a:theme>
+</file>
+
+<file path=ppt/theme/theme2.xml><?xml version="1.0" encoding="utf-8"?>
 <a:theme xmlns:a="http://schemas.openxmlformats.org/drawingml/2006/main" xmlns:r="http://schemas.openxmlformats.org/officeDocument/2006/relationships" name="Focus">
   <a:themeElements>
     <a:clrScheme name="Focus">
@@ -13479,283 +13789,4 @@
     </a:fmtScheme>
   </a:themeElements>
 </a:theme>
-</file>
-
-<file path=ppt/theme/theme2.xml><?xml version="1.0" encoding="utf-8"?>
-<a:theme xmlns:a="http://schemas.openxmlformats.org/drawingml/2006/main" xmlns:r="http://schemas.openxmlformats.org/officeDocument/2006/relationships">
-  <a:themeElements>
-    <a:clrScheme name="Default">
-      <a:dk1>
-        <a:srgbClr val="000000"/>
-      </a:dk1>
-      <a:lt1>
-        <a:srgbClr val="FFFFFF"/>
-      </a:lt1>
-      <a:dk2>
-        <a:srgbClr val="158158"/>
-      </a:dk2>
-      <a:lt2>
-        <a:srgbClr val="F3F3F3"/>
-      </a:lt2>
-      <a:accent1>
-        <a:srgbClr val="058DC7"/>
-      </a:accent1>
-      <a:accent2>
-        <a:srgbClr val="50B432"/>
-      </a:accent2>
-      <a:accent3>
-        <a:srgbClr val="ED561B"/>
-      </a:accent3>
-      <a:accent4>
-        <a:srgbClr val="EDEF00"/>
-      </a:accent4>
-      <a:accent5>
-        <a:srgbClr val="24CBE5"/>
-      </a:accent5>
-      <a:accent6>
-        <a:srgbClr val="64E572"/>
-      </a:accent6>
-      <a:hlink>
-        <a:srgbClr val="2200CC"/>
-      </a:hlink>
-      <a:folHlink>
-        <a:srgbClr val="551A8B"/>
-      </a:folHlink>
-    </a:clrScheme>
-    <a:fontScheme name="Office">
-      <a:majorFont>
-        <a:latin typeface="Arial"/>
-        <a:ea typeface=""/>
-        <a:cs typeface=""/>
-        <a:font script="Jpan" typeface="ＭＳ Ｐゴシック"/>
-        <a:font script="Hang" typeface="맑은 고딕"/>
-        <a:font script="Hans" typeface="宋体"/>
-        <a:font script="Hant" typeface="新細明體"/>
-        <a:font script="Arab" typeface="Times New Roman"/>
-        <a:font script="Hebr" typeface="Times New Roman"/>
-        <a:font script="Thai" typeface="Angsana New"/>
-        <a:font script="Ethi" typeface="Nyala"/>
-        <a:font script="Beng" typeface="Vrinda"/>
-        <a:font script="Gujr" typeface="Shruti"/>
-        <a:font script="Khmr" typeface="MoolBoran"/>
-        <a:font script="Knda" typeface="Tunga"/>
-        <a:font script="Guru" typeface="Raavi"/>
-        <a:font script="Cans" typeface="Euphemia"/>
-        <a:font script="Cher" typeface="Plantagenet Cherokee"/>
-        <a:font script="Yiii" typeface="Microsoft Yi Baiti"/>
-        <a:font script="Tibt" typeface="Microsoft Himalaya"/>
-        <a:font script="Thaa" typeface="MV Boli"/>
-        <a:font script="Deva" typeface="Mangal"/>
-        <a:font script="Telu" typeface="Gautami"/>
-        <a:font script="Taml" typeface="Latha"/>
-        <a:font script="Syrc" typeface="Estrangelo Edessa"/>
-        <a:font script="Orya" typeface="Kalinga"/>
-        <a:font script="Mlym" typeface="Kartika"/>
-        <a:font script="Laoo" typeface="DokChampa"/>
-        <a:font script="Sinh" typeface="Iskoola Pota"/>
-        <a:font script="Mong" typeface="Mongolian Baiti"/>
-        <a:font script="Viet" typeface="Times New Roman"/>
-        <a:font script="Uigh" typeface="Microsoft Uighur"/>
-        <a:font script="Geor" typeface="Sylfaen"/>
-      </a:majorFont>
-      <a:minorFont>
-        <a:latin typeface="Arial"/>
-        <a:ea typeface=""/>
-        <a:cs typeface=""/>
-        <a:font script="Jpan" typeface="ＭＳ Ｐゴシック"/>
-        <a:font script="Hang" typeface="맑은 고딕"/>
-        <a:font script="Hans" typeface="宋体"/>
-        <a:font script="Hant" typeface="新細明體"/>
-        <a:font script="Arab" typeface="Arial"/>
-        <a:font script="Hebr" typeface="Arial"/>
-        <a:font script="Thai" typeface="Cordia New"/>
-        <a:font script="Ethi" typeface="Nyala"/>
-        <a:font script="Beng" typeface="Vrinda"/>
-        <a:font script="Gujr" typeface="Shruti"/>
-        <a:font script="Khmr" typeface="DaunPenh"/>
-        <a:font script="Knda" typeface="Tunga"/>
-        <a:font script="Guru" typeface="Raavi"/>
-        <a:font script="Cans" typeface="Euphemia"/>
-        <a:font script="Cher" typeface="Plantagenet Cherokee"/>
-        <a:font script="Yiii" typeface="Microsoft Yi Baiti"/>
-        <a:font script="Tibt" typeface="Microsoft Himalaya"/>
-        <a:font script="Thaa" typeface="MV Boli"/>
-        <a:font script="Deva" typeface="Mangal"/>
-        <a:font script="Telu" typeface="Gautami"/>
-        <a:font script="Taml" typeface="Latha"/>
-        <a:font script="Syrc" typeface="Estrangelo Edessa"/>
-        <a:font script="Orya" typeface="Kalinga"/>
-        <a:font script="Mlym" typeface="Kartika"/>
-        <a:font script="Laoo" typeface="DokChampa"/>
-        <a:font script="Sinh" typeface="Iskoola Pota"/>
-        <a:font script="Mong" typeface="Mongolian Baiti"/>
-        <a:font script="Viet" typeface="Arial"/>
-        <a:font script="Uigh" typeface="Microsoft Uighur"/>
-        <a:font script="Geor" typeface="Sylfaen"/>
-      </a:minorFont>
-    </a:fontScheme>
-    <a:fmtScheme name="Office">
-      <a:fillStyleLst>
-        <a:solidFill>
-          <a:schemeClr val="phClr"/>
-        </a:solidFill>
-        <a:gradFill rotWithShape="1">
-          <a:gsLst>
-            <a:gs pos="0">
-              <a:schemeClr val="phClr">
-                <a:tint val="50000"/>
-                <a:satMod val="300000"/>
-              </a:schemeClr>
-            </a:gs>
-            <a:gs pos="35000">
-              <a:schemeClr val="phClr">
-                <a:tint val="37000"/>
-                <a:satMod val="300000"/>
-              </a:schemeClr>
-            </a:gs>
-            <a:gs pos="100000">
-              <a:schemeClr val="phClr">
-                <a:tint val="15000"/>
-                <a:satMod val="350000"/>
-              </a:schemeClr>
-            </a:gs>
-          </a:gsLst>
-          <a:lin ang="16200000" scaled="1"/>
-        </a:gradFill>
-        <a:gradFill rotWithShape="1">
-          <a:gsLst>
-            <a:gs pos="0">
-              <a:schemeClr val="phClr">
-                <a:tint val="100000"/>
-                <a:shade val="100000"/>
-                <a:satMod val="130000"/>
-              </a:schemeClr>
-            </a:gs>
-            <a:gs pos="100000">
-              <a:schemeClr val="phClr">
-                <a:tint val="50000"/>
-                <a:shade val="100000"/>
-                <a:satMod val="350000"/>
-              </a:schemeClr>
-            </a:gs>
-          </a:gsLst>
-          <a:lin ang="16200000" scaled="0"/>
-        </a:gradFill>
-      </a:fillStyleLst>
-      <a:lnStyleLst>
-        <a:ln w="9525" cap="flat" cmpd="sng" algn="ctr">
-          <a:solidFill>
-            <a:schemeClr val="phClr">
-              <a:shade val="95000"/>
-              <a:satMod val="105000"/>
-            </a:schemeClr>
-          </a:solidFill>
-          <a:prstDash val="solid"/>
-        </a:ln>
-        <a:ln w="25400" cap="flat" cmpd="sng" algn="ctr">
-          <a:solidFill>
-            <a:schemeClr val="phClr"/>
-          </a:solidFill>
-          <a:prstDash val="solid"/>
-        </a:ln>
-        <a:ln w="38100" cap="flat" cmpd="sng" algn="ctr">
-          <a:solidFill>
-            <a:schemeClr val="phClr"/>
-          </a:solidFill>
-          <a:prstDash val="solid"/>
-        </a:ln>
-      </a:lnStyleLst>
-      <a:effectStyleLst>
-        <a:effectStyle>
-          <a:effectLst>
-            <a:outerShdw blurRad="40000" dist="20000" dir="5400000" rotWithShape="0">
-              <a:srgbClr val="000000">
-                <a:alpha val="38000"/>
-              </a:srgbClr>
-            </a:outerShdw>
-          </a:effectLst>
-        </a:effectStyle>
-        <a:effectStyle>
-          <a:effectLst>
-            <a:outerShdw blurRad="40000" dist="23000" dir="5400000" rotWithShape="0">
-              <a:srgbClr val="000000">
-                <a:alpha val="35000"/>
-              </a:srgbClr>
-            </a:outerShdw>
-          </a:effectLst>
-        </a:effectStyle>
-        <a:effectStyle>
-          <a:effectLst>
-            <a:outerShdw blurRad="40000" dist="23000" dir="5400000" rotWithShape="0">
-              <a:srgbClr val="000000">
-                <a:alpha val="35000"/>
-              </a:srgbClr>
-            </a:outerShdw>
-          </a:effectLst>
-          <a:scene3d>
-            <a:camera prst="orthographicFront">
-              <a:rot lat="0" lon="0" rev="0"/>
-            </a:camera>
-            <a:lightRig rig="threePt" dir="t">
-              <a:rot lat="0" lon="0" rev="1200000"/>
-            </a:lightRig>
-          </a:scene3d>
-          <a:sp3d>
-            <a:bevelT w="63500" h="25400"/>
-          </a:sp3d>
-        </a:effectStyle>
-      </a:effectStyleLst>
-      <a:bgFillStyleLst>
-        <a:solidFill>
-          <a:schemeClr val="phClr"/>
-        </a:solidFill>
-        <a:gradFill rotWithShape="1">
-          <a:gsLst>
-            <a:gs pos="0">
-              <a:schemeClr val="phClr">
-                <a:tint val="40000"/>
-                <a:satMod val="350000"/>
-              </a:schemeClr>
-            </a:gs>
-            <a:gs pos="40000">
-              <a:schemeClr val="phClr">
-                <a:tint val="45000"/>
-                <a:shade val="99000"/>
-                <a:satMod val="350000"/>
-              </a:schemeClr>
-            </a:gs>
-            <a:gs pos="100000">
-              <a:schemeClr val="phClr">
-                <a:shade val="20000"/>
-                <a:satMod val="255000"/>
-              </a:schemeClr>
-            </a:gs>
-          </a:gsLst>
-          <a:path path="circle">
-            <a:fillToRect l="50000" t="-80000" r="50000" b="180000"/>
-          </a:path>
-        </a:gradFill>
-        <a:gradFill rotWithShape="1">
-          <a:gsLst>
-            <a:gs pos="0">
-              <a:schemeClr val="phClr">
-                <a:tint val="80000"/>
-                <a:satMod val="300000"/>
-              </a:schemeClr>
-            </a:gs>
-            <a:gs pos="100000">
-              <a:schemeClr val="phClr">
-                <a:shade val="30000"/>
-                <a:satMod val="200000"/>
-              </a:schemeClr>
-            </a:gs>
-          </a:gsLst>
-          <a:path path="circle">
-            <a:fillToRect l="50000" t="50000" r="50000" b="50000"/>
-          </a:path>
-        </a:gradFill>
-      </a:bgFillStyleLst>
-    </a:fmtScheme>
-  </a:themeElements>
-</a:theme>
 </file>